--- a/期末スライド.pptx
+++ b/期末スライド.pptx
@@ -12,6 +12,9 @@
     <p:sldId id="259" r:id="rId6"/>
     <p:sldId id="260" r:id="rId7"/>
     <p:sldId id="261" r:id="rId8"/>
+    <p:sldId id="263" r:id="rId9"/>
+    <p:sldId id="264" r:id="rId10"/>
+    <p:sldId id="265" r:id="rId11"/>
   </p:sldIdLst>
   <p:sldSz cx="9144000" cy="6858000" type="screen4x3"/>
   <p:notesSz cx="6858000" cy="9144000"/>
@@ -3357,20 +3360,17 @@
             </a:endParaRPr>
           </a:p>
           <a:p>
-            <a:pPr lvl="1" algn="l"/>
+            <a:pPr lvl="1" algn="l">
+              <a:lnSpc>
+                <a:spcPct val="100000"/>
+              </a:lnSpc>
+            </a:pPr>
             <a:r>
               <a:rPr lang="ja-JP" altLang="en-US" sz="2400" dirty="0" smtClean="0">
                 <a:latin typeface="小塚ゴシック Std H" panose="020B0800000000000000" pitchFamily="34" charset="-128"/>
                 <a:ea typeface="小塚ゴシック Std H" panose="020B0800000000000000" pitchFamily="34" charset="-128"/>
               </a:rPr>
-              <a:t>チーム</a:t>
-            </a:r>
-            <a:r>
-              <a:rPr lang="ja-JP" altLang="en-US" sz="2400" dirty="0" smtClean="0">
-                <a:latin typeface="小塚ゴシック Std H" panose="020B0800000000000000" pitchFamily="34" charset="-128"/>
-                <a:ea typeface="小塚ゴシック Std H" panose="020B0800000000000000" pitchFamily="34" charset="-128"/>
-              </a:rPr>
-              <a:t>全体の戦略</a:t>
+              <a:t>チーム全体の戦略</a:t>
             </a:r>
             <a:endParaRPr lang="en-US" altLang="ja-JP" sz="2400" dirty="0">
               <a:latin typeface="小塚ゴシック Std H" panose="020B0800000000000000" pitchFamily="34" charset="-128"/>
@@ -3378,13 +3378,94 @@
             </a:endParaRPr>
           </a:p>
           <a:p>
-            <a:pPr lvl="1" algn="l"/>
+            <a:pPr lvl="1" algn="l">
+              <a:lnSpc>
+                <a:spcPct val="100000"/>
+              </a:lnSpc>
+            </a:pPr>
             <a:r>
               <a:rPr lang="ja-JP" altLang="en-US" sz="2400" dirty="0" smtClean="0">
                 <a:latin typeface="小塚ゴシック Std H" panose="020B0800000000000000" pitchFamily="34" charset="-128"/>
                 <a:ea typeface="小塚ゴシック Std H" panose="020B0800000000000000" pitchFamily="34" charset="-128"/>
               </a:rPr>
               <a:t>戦車毎の戦略</a:t>
+            </a:r>
+            <a:r>
+              <a:rPr lang="en-US" altLang="ja-JP" sz="2400" dirty="0" smtClean="0">
+                <a:latin typeface="小塚ゴシック Std H" panose="020B0800000000000000" pitchFamily="34" charset="-128"/>
+                <a:ea typeface="小塚ゴシック Std H" panose="020B0800000000000000" pitchFamily="34" charset="-128"/>
+              </a:rPr>
+              <a:t>(</a:t>
+            </a:r>
+            <a:r>
+              <a:rPr lang="ja-JP" altLang="en-US" sz="2400" dirty="0" smtClean="0">
+                <a:latin typeface="小塚ゴシック Std H" panose="020B0800000000000000" pitchFamily="34" charset="-128"/>
+                <a:ea typeface="小塚ゴシック Std H" panose="020B0800000000000000" pitchFamily="34" charset="-128"/>
+              </a:rPr>
+              <a:t>移動</a:t>
+            </a:r>
+            <a:r>
+              <a:rPr lang="en-US" altLang="ja-JP" sz="2400" dirty="0" smtClean="0">
+                <a:latin typeface="小塚ゴシック Std H" panose="020B0800000000000000" pitchFamily="34" charset="-128"/>
+                <a:ea typeface="小塚ゴシック Std H" panose="020B0800000000000000" pitchFamily="34" charset="-128"/>
+              </a:rPr>
+              <a:t>/</a:t>
+            </a:r>
+            <a:r>
+              <a:rPr lang="ja-JP" altLang="en-US" sz="2400" dirty="0" smtClean="0">
+                <a:latin typeface="小塚ゴシック Std H" panose="020B0800000000000000" pitchFamily="34" charset="-128"/>
+                <a:ea typeface="小塚ゴシック Std H" panose="020B0800000000000000" pitchFamily="34" charset="-128"/>
+              </a:rPr>
+              <a:t>索敵</a:t>
+            </a:r>
+            <a:r>
+              <a:rPr lang="en-US" altLang="ja-JP" sz="2400" dirty="0" smtClean="0">
+                <a:latin typeface="小塚ゴシック Std H" panose="020B0800000000000000" pitchFamily="34" charset="-128"/>
+                <a:ea typeface="小塚ゴシック Std H" panose="020B0800000000000000" pitchFamily="34" charset="-128"/>
+              </a:rPr>
+              <a:t>/</a:t>
+            </a:r>
+            <a:r>
+              <a:rPr lang="ja-JP" altLang="en-US" sz="2400" dirty="0" smtClean="0">
+                <a:latin typeface="小塚ゴシック Std H" panose="020B0800000000000000" pitchFamily="34" charset="-128"/>
+                <a:ea typeface="小塚ゴシック Std H" panose="020B0800000000000000" pitchFamily="34" charset="-128"/>
+              </a:rPr>
+              <a:t>攻撃</a:t>
+            </a:r>
+            <a:r>
+              <a:rPr lang="en-US" altLang="ja-JP" sz="2400" dirty="0" smtClean="0">
+                <a:latin typeface="小塚ゴシック Std H" panose="020B0800000000000000" pitchFamily="34" charset="-128"/>
+                <a:ea typeface="小塚ゴシック Std H" panose="020B0800000000000000" pitchFamily="34" charset="-128"/>
+              </a:rPr>
+              <a:t>/</a:t>
+            </a:r>
+            <a:r>
+              <a:rPr lang="ja-JP" altLang="en-US" sz="2400" dirty="0" smtClean="0">
+                <a:latin typeface="小塚ゴシック Std H" panose="020B0800000000000000" pitchFamily="34" charset="-128"/>
+                <a:ea typeface="小塚ゴシック Std H" panose="020B0800000000000000" pitchFamily="34" charset="-128"/>
+              </a:rPr>
+              <a:t>回避</a:t>
+            </a:r>
+            <a:r>
+              <a:rPr lang="en-US" altLang="ja-JP" sz="2400" dirty="0" smtClean="0">
+                <a:latin typeface="小塚ゴシック Std H" panose="020B0800000000000000" pitchFamily="34" charset="-128"/>
+                <a:ea typeface="小塚ゴシック Std H" panose="020B0800000000000000" pitchFamily="34" charset="-128"/>
+              </a:rPr>
+              <a:t>)</a:t>
+            </a:r>
+          </a:p>
+          <a:p>
+            <a:pPr lvl="1" algn="l">
+              <a:lnSpc>
+                <a:spcPct val="100000"/>
+              </a:lnSpc>
+            </a:pPr>
+            <a:r>
+              <a:rPr lang="ja-JP" altLang="en-US" sz="2400" dirty="0" smtClean="0">
+                <a:latin typeface="小塚ゴシック Std H" panose="020B0800000000000000" pitchFamily="34" charset="-128"/>
+                <a:ea typeface="小塚ゴシック Std H" panose="020B0800000000000000" pitchFamily="34" charset="-128"/>
+              </a:rPr>
+              <a:t>長所と短所</a:t>
             </a:r>
             <a:endParaRPr lang="en-US" altLang="ja-JP" sz="2400" dirty="0" smtClean="0">
               <a:latin typeface="小塚ゴシック Std H" panose="020B0800000000000000" pitchFamily="34" charset="-128"/>
@@ -3392,62 +3473,24 @@
             </a:endParaRPr>
           </a:p>
           <a:p>
-            <a:pPr lvl="1" algn="l"/>
+            <a:pPr lvl="1" algn="l">
+              <a:lnSpc>
+                <a:spcPct val="100000"/>
+              </a:lnSpc>
+            </a:pPr>
+            <a:r>
+              <a:rPr lang="ja-JP" altLang="en-US" sz="2400" dirty="0">
+                <a:latin typeface="小塚ゴシック Std H" panose="020B0800000000000000" pitchFamily="34" charset="-128"/>
+                <a:ea typeface="小塚ゴシック Std H" panose="020B0800000000000000" pitchFamily="34" charset="-128"/>
+              </a:rPr>
+              <a:t>開発</a:t>
+            </a:r>
             <a:r>
               <a:rPr lang="ja-JP" altLang="en-US" sz="2400" dirty="0" smtClean="0">
                 <a:latin typeface="小塚ゴシック Std H" panose="020B0800000000000000" pitchFamily="34" charset="-128"/>
                 <a:ea typeface="小塚ゴシック Std H" panose="020B0800000000000000" pitchFamily="34" charset="-128"/>
               </a:rPr>
-              <a:t>・移動方法</a:t>
-            </a:r>
-            <a:endParaRPr lang="en-US" altLang="ja-JP" sz="2400" dirty="0" smtClean="0">
-              <a:latin typeface="小塚ゴシック Std H" panose="020B0800000000000000" pitchFamily="34" charset="-128"/>
-              <a:ea typeface="小塚ゴシック Std H" panose="020B0800000000000000" pitchFamily="34" charset="-128"/>
-            </a:endParaRPr>
-          </a:p>
-          <a:p>
-            <a:pPr lvl="1" algn="l"/>
-            <a:r>
-              <a:rPr lang="ja-JP" altLang="en-US" sz="2400" dirty="0" smtClean="0">
-                <a:latin typeface="小塚ゴシック Std H" panose="020B0800000000000000" pitchFamily="34" charset="-128"/>
-                <a:ea typeface="小塚ゴシック Std H" panose="020B0800000000000000" pitchFamily="34" charset="-128"/>
-              </a:rPr>
-              <a:t>・索敵の方法</a:t>
-            </a:r>
-            <a:endParaRPr lang="en-US" altLang="ja-JP" sz="2400" dirty="0" smtClean="0">
-              <a:latin typeface="小塚ゴシック Std H" panose="020B0800000000000000" pitchFamily="34" charset="-128"/>
-              <a:ea typeface="小塚ゴシック Std H" panose="020B0800000000000000" pitchFamily="34" charset="-128"/>
-            </a:endParaRPr>
-          </a:p>
-          <a:p>
-            <a:pPr lvl="1" algn="l"/>
-            <a:r>
-              <a:rPr lang="ja-JP" altLang="en-US" sz="2400" dirty="0" smtClean="0">
-                <a:latin typeface="小塚ゴシック Std H" panose="020B0800000000000000" pitchFamily="34" charset="-128"/>
-                <a:ea typeface="小塚ゴシック Std H" panose="020B0800000000000000" pitchFamily="34" charset="-128"/>
-              </a:rPr>
-              <a:t>・攻撃の方法</a:t>
-            </a:r>
-            <a:endParaRPr lang="en-US" altLang="ja-JP" sz="2400" dirty="0" smtClean="0">
-              <a:latin typeface="小塚ゴシック Std H" panose="020B0800000000000000" pitchFamily="34" charset="-128"/>
-              <a:ea typeface="小塚ゴシック Std H" panose="020B0800000000000000" pitchFamily="34" charset="-128"/>
-            </a:endParaRPr>
-          </a:p>
-          <a:p>
-            <a:pPr lvl="1" algn="l"/>
-            <a:r>
-              <a:rPr lang="ja-JP" altLang="en-US" sz="2400" dirty="0" smtClean="0">
-                <a:latin typeface="小塚ゴシック Std H" panose="020B0800000000000000" pitchFamily="34" charset="-128"/>
-                <a:ea typeface="小塚ゴシック Std H" panose="020B0800000000000000" pitchFamily="34" charset="-128"/>
-              </a:rPr>
-              <a:t>・回避の</a:t>
-            </a:r>
-            <a:r>
-              <a:rPr lang="ja-JP" altLang="en-US" sz="2400" dirty="0" smtClean="0">
-                <a:latin typeface="小塚ゴシック Std H" panose="020B0800000000000000" pitchFamily="34" charset="-128"/>
-                <a:ea typeface="小塚ゴシック Std H" panose="020B0800000000000000" pitchFamily="34" charset="-128"/>
-              </a:rPr>
-              <a:t>方法</a:t>
+              <a:t>の困難さ</a:t>
             </a:r>
             <a:endParaRPr lang="en-US" altLang="ja-JP" sz="2400" dirty="0">
               <a:latin typeface="小塚ゴシック Std H" panose="020B0800000000000000" pitchFamily="34" charset="-128"/>
@@ -3505,6 +3548,150 @@
     <p:extLst>
       <p:ext uri="{BB962C8B-B14F-4D97-AF65-F5344CB8AC3E}">
         <p14:creationId xmlns:p14="http://schemas.microsoft.com/office/powerpoint/2010/main" val="319067261"/>
+      </p:ext>
+    </p:extLst>
+  </p:cSld>
+  <p:clrMapOvr>
+    <a:masterClrMapping/>
+  </p:clrMapOvr>
+</p:sld>
+</file>
+
+<file path=ppt/slides/slide10.xml><?xml version="1.0" encoding="utf-8"?>
+<p:sld xmlns:a="http://schemas.openxmlformats.org/drawingml/2006/main" xmlns:r="http://schemas.openxmlformats.org/officeDocument/2006/relationships" xmlns:p="http://schemas.openxmlformats.org/presentationml/2006/main">
+  <p:cSld>
+    <p:bg>
+      <p:bgPr>
+        <a:blipFill dpi="0" rotWithShape="1">
+          <a:blip r:embed="rId2">
+            <a:lum/>
+          </a:blip>
+          <a:srcRect/>
+          <a:stretch>
+            <a:fillRect/>
+          </a:stretch>
+        </a:blipFill>
+        <a:effectLst/>
+      </p:bgPr>
+    </p:bg>
+    <p:spTree>
+      <p:nvGrpSpPr>
+        <p:cNvPr id="1" name=""/>
+        <p:cNvGrpSpPr/>
+        <p:nvPr/>
+      </p:nvGrpSpPr>
+      <p:grpSpPr>
+        <a:xfrm>
+          <a:off x="0" y="0"/>
+          <a:ext cx="0" cy="0"/>
+          <a:chOff x="0" y="0"/>
+          <a:chExt cx="0" cy="0"/>
+        </a:xfrm>
+      </p:grpSpPr>
+      <p:sp>
+        <p:nvSpPr>
+          <p:cNvPr id="2" name="タイトル 1"/>
+          <p:cNvSpPr>
+            <a:spLocks noGrp="1"/>
+          </p:cNvSpPr>
+          <p:nvPr>
+            <p:ph type="ctrTitle"/>
+          </p:nvPr>
+        </p:nvSpPr>
+        <p:spPr>
+          <a:xfrm>
+            <a:off x="113211" y="409303"/>
+            <a:ext cx="6035040" cy="914400"/>
+          </a:xfrm>
+        </p:spPr>
+        <p:txBody>
+          <a:bodyPr>
+            <a:noAutofit/>
+          </a:bodyPr>
+          <a:lstStyle/>
+          <a:p>
+            <a:pPr algn="l"/>
+            <a:r>
+              <a:rPr lang="ja-JP" altLang="en-US" sz="5400" dirty="0" smtClean="0">
+                <a:latin typeface="小塚ゴシック Std H" panose="020B0800000000000000" pitchFamily="34" charset="-128"/>
+                <a:ea typeface="小塚ゴシック Std H" panose="020B0800000000000000" pitchFamily="34" charset="-128"/>
+              </a:rPr>
+              <a:t>終了</a:t>
+            </a:r>
+            <a:endParaRPr kumimoji="1" lang="ja-JP" altLang="en-US" sz="5400" dirty="0">
+              <a:latin typeface="小塚ゴシック Std H" panose="020B0800000000000000" pitchFamily="34" charset="-128"/>
+              <a:ea typeface="小塚ゴシック Std H" panose="020B0800000000000000" pitchFamily="34" charset="-128"/>
+            </a:endParaRPr>
+          </a:p>
+        </p:txBody>
+      </p:sp>
+      <p:sp>
+        <p:nvSpPr>
+          <p:cNvPr id="3" name="サブタイトル 2"/>
+          <p:cNvSpPr>
+            <a:spLocks noGrp="1"/>
+          </p:cNvSpPr>
+          <p:nvPr>
+            <p:ph type="subTitle" idx="1"/>
+          </p:nvPr>
+        </p:nvSpPr>
+        <p:spPr>
+          <a:xfrm>
+            <a:off x="350520" y="2165123"/>
+            <a:ext cx="6858000" cy="4218259"/>
+          </a:xfrm>
+        </p:spPr>
+        <p:txBody>
+          <a:bodyPr/>
+          <a:lstStyle/>
+          <a:p>
+            <a:pPr algn="l"/>
+            <a:r>
+              <a:rPr lang="en-US" altLang="ja-JP" dirty="0" smtClean="0">
+                <a:latin typeface="小塚ゴシック Std H" panose="020B0800000000000000" pitchFamily="34" charset="-128"/>
+                <a:ea typeface="小塚ゴシック Std H" panose="020B0800000000000000" pitchFamily="34" charset="-128"/>
+              </a:rPr>
+              <a:t>6</a:t>
+            </a:r>
+            <a:r>
+              <a:rPr lang="ja-JP" altLang="en-US" dirty="0" smtClean="0">
+                <a:latin typeface="小塚ゴシック Std H" panose="020B0800000000000000" pitchFamily="34" charset="-128"/>
+                <a:ea typeface="小塚ゴシック Std H" panose="020B0800000000000000" pitchFamily="34" charset="-128"/>
+              </a:rPr>
+              <a:t>班の発表は以上です。</a:t>
+            </a:r>
+            <a:endParaRPr lang="en-US" altLang="ja-JP" dirty="0" smtClean="0">
+              <a:latin typeface="小塚ゴシック Std H" panose="020B0800000000000000" pitchFamily="34" charset="-128"/>
+              <a:ea typeface="小塚ゴシック Std H" panose="020B0800000000000000" pitchFamily="34" charset="-128"/>
+            </a:endParaRPr>
+          </a:p>
+          <a:p>
+            <a:pPr algn="l"/>
+            <a:r>
+              <a:rPr lang="ja-JP" altLang="en-US" smtClean="0">
+                <a:latin typeface="小塚ゴシック Std H" panose="020B0800000000000000" pitchFamily="34" charset="-128"/>
+                <a:ea typeface="小塚ゴシック Std H" panose="020B0800000000000000" pitchFamily="34" charset="-128"/>
+              </a:rPr>
+              <a:t>ご清聴いただきありがとう</a:t>
+            </a:r>
+            <a:r>
+              <a:rPr lang="ja-JP" altLang="en-US" dirty="0" smtClean="0">
+                <a:latin typeface="小塚ゴシック Std H" panose="020B0800000000000000" pitchFamily="34" charset="-128"/>
+                <a:ea typeface="小塚ゴシック Std H" panose="020B0800000000000000" pitchFamily="34" charset="-128"/>
+              </a:rPr>
+              <a:t>ございました。</a:t>
+            </a:r>
+            <a:endParaRPr lang="ja-JP" altLang="en-US" dirty="0">
+              <a:latin typeface="小塚ゴシック Std H" panose="020B0800000000000000" pitchFamily="34" charset="-128"/>
+              <a:ea typeface="小塚ゴシック Std H" panose="020B0800000000000000" pitchFamily="34" charset="-128"/>
+            </a:endParaRPr>
+          </a:p>
+        </p:txBody>
+      </p:sp>
+    </p:spTree>
+    <p:extLst>
+      <p:ext uri="{BB962C8B-B14F-4D97-AF65-F5344CB8AC3E}">
+        <p14:creationId xmlns:p14="http://schemas.microsoft.com/office/powerpoint/2010/main" val="3917938418"/>
       </p:ext>
     </p:extLst>
   </p:cSld>
@@ -3631,54 +3818,43 @@
                 <a:latin typeface="小塚ゴシック Std H" panose="020B0800000000000000" pitchFamily="34" charset="-128"/>
                 <a:ea typeface="小塚ゴシック Std H" panose="020B0800000000000000" pitchFamily="34" charset="-128"/>
               </a:rPr>
-              <a:t>・</a:t>
+              <a:t>・リーダー機</a:t>
+            </a:r>
+            <a:r>
+              <a:rPr lang="en-US" altLang="ja-JP" dirty="0" smtClean="0">
+                <a:latin typeface="小塚ゴシック Std H" panose="020B0800000000000000" pitchFamily="34" charset="-128"/>
+                <a:ea typeface="小塚ゴシック Std H" panose="020B0800000000000000" pitchFamily="34" charset="-128"/>
+              </a:rPr>
+              <a:t>(</a:t>
             </a:r>
             <a:r>
               <a:rPr lang="ja-JP" altLang="en-US" dirty="0" smtClean="0">
                 <a:latin typeface="小塚ゴシック Std H" panose="020B0800000000000000" pitchFamily="34" charset="-128"/>
                 <a:ea typeface="小塚ゴシック Std H" panose="020B0800000000000000" pitchFamily="34" charset="-128"/>
               </a:rPr>
-              <a:t>リーダー機</a:t>
+              <a:t>少し</a:t>
             </a:r>
             <a:r>
               <a:rPr lang="en-US" altLang="ja-JP" dirty="0" smtClean="0">
                 <a:latin typeface="小塚ゴシック Std H" panose="020B0800000000000000" pitchFamily="34" charset="-128"/>
                 <a:ea typeface="小塚ゴシック Std H" panose="020B0800000000000000" pitchFamily="34" charset="-128"/>
               </a:rPr>
-              <a:t>(</a:t>
+              <a:t>HP</a:t>
             </a:r>
             <a:r>
               <a:rPr lang="ja-JP" altLang="en-US" dirty="0" smtClean="0">
                 <a:latin typeface="小塚ゴシック Std H" panose="020B0800000000000000" pitchFamily="34" charset="-128"/>
                 <a:ea typeface="小塚ゴシック Std H" panose="020B0800000000000000" pitchFamily="34" charset="-128"/>
               </a:rPr>
-              <a:t>少し</a:t>
+              <a:t>が高い</a:t>
             </a:r>
             <a:r>
               <a:rPr lang="en-US" altLang="ja-JP" dirty="0" smtClean="0">
                 <a:latin typeface="小塚ゴシック Std H" panose="020B0800000000000000" pitchFamily="34" charset="-128"/>
                 <a:ea typeface="小塚ゴシック Std H" panose="020B0800000000000000" pitchFamily="34" charset="-128"/>
               </a:rPr>
-              <a:t>HP</a:t>
-            </a:r>
-            <a:r>
-              <a:rPr lang="ja-JP" altLang="en-US" dirty="0" smtClean="0">
-                <a:latin typeface="小塚ゴシック Std H" panose="020B0800000000000000" pitchFamily="34" charset="-128"/>
-                <a:ea typeface="小塚ゴシック Std H" panose="020B0800000000000000" pitchFamily="34" charset="-128"/>
-              </a:rPr>
-              <a:t>が高い</a:t>
-            </a:r>
-            <a:r>
-              <a:rPr lang="en-US" altLang="ja-JP" dirty="0" smtClean="0">
-                <a:latin typeface="小塚ゴシック Std H" panose="020B0800000000000000" pitchFamily="34" charset="-128"/>
-                <a:ea typeface="小塚ゴシック Std H" panose="020B0800000000000000" pitchFamily="34" charset="-128"/>
-              </a:rPr>
               <a:t>)</a:t>
             </a:r>
-            <a:endParaRPr lang="en-US" altLang="ja-JP" dirty="0" smtClean="0">
-              <a:latin typeface="小塚ゴシック Std H" panose="020B0800000000000000" pitchFamily="34" charset="-128"/>
-              <a:ea typeface="小塚ゴシック Std H" panose="020B0800000000000000" pitchFamily="34" charset="-128"/>
-            </a:endParaRPr>
           </a:p>
           <a:p>
             <a:pPr lvl="1" algn="l"/>
@@ -3793,10 +3969,6 @@
               </a:rPr>
               <a:t>2</a:t>
             </a:r>
-            <a:endParaRPr lang="en-US" altLang="ja-JP" dirty="0" smtClean="0">
-              <a:latin typeface="小塚ゴシック Std H" panose="020B0800000000000000" pitchFamily="34" charset="-128"/>
-              <a:ea typeface="小塚ゴシック Std H" panose="020B0800000000000000" pitchFamily="34" charset="-128"/>
-            </a:endParaRPr>
           </a:p>
           <a:p>
             <a:pPr lvl="1" algn="l"/>
@@ -3805,14 +3977,7 @@
                 <a:latin typeface="小塚ゴシック Std H" panose="020B0800000000000000" pitchFamily="34" charset="-128"/>
                 <a:ea typeface="小塚ゴシック Std H" panose="020B0800000000000000" pitchFamily="34" charset="-128"/>
               </a:rPr>
-              <a:t>相手チームに</a:t>
-            </a:r>
-            <a:r>
-              <a:rPr lang="ja-JP" altLang="en-US" dirty="0" smtClean="0">
-                <a:latin typeface="小塚ゴシック Std H" panose="020B0800000000000000" pitchFamily="34" charset="-128"/>
-                <a:ea typeface="小塚ゴシック Std H" panose="020B0800000000000000" pitchFamily="34" charset="-128"/>
-              </a:rPr>
-              <a:t>ドロイド機があれば、</a:t>
+              <a:t>相手チームにドロイド機があれば、</a:t>
             </a:r>
             <a:r>
               <a:rPr lang="ja-JP" altLang="en-US" dirty="0" smtClean="0">
@@ -4071,14 +4236,7 @@
                 <a:latin typeface="小塚ゴシック Std H" panose="020B0800000000000000" pitchFamily="34" charset="-128"/>
                 <a:ea typeface="小塚ゴシック Std H" panose="020B0800000000000000" pitchFamily="34" charset="-128"/>
               </a:rPr>
-              <a:t>そのルール</a:t>
-            </a:r>
-            <a:r>
-              <a:rPr lang="ja-JP" altLang="en-US" dirty="0" smtClean="0">
-                <a:latin typeface="小塚ゴシック Std H" panose="020B0800000000000000" pitchFamily="34" charset="-128"/>
-                <a:ea typeface="小塚ゴシック Std H" panose="020B0800000000000000" pitchFamily="34" charset="-128"/>
-              </a:rPr>
-              <a:t>はこれから紹介。</a:t>
+              <a:t>そのルールはこれから紹介。</a:t>
             </a:r>
             <a:endParaRPr lang="en-US" altLang="ja-JP" dirty="0" smtClean="0">
               <a:latin typeface="小塚ゴシック Std H" panose="020B0800000000000000" pitchFamily="34" charset="-128"/>
@@ -4940,10 +5098,6 @@
               </a:rPr>
               <a:t>体力の一番少ない機体を集中的に捕捉。</a:t>
             </a:r>
-            <a:endParaRPr lang="ja-JP" altLang="en-US" sz="1600" dirty="0">
-              <a:latin typeface="小塚ゴシック Std H" panose="020B0800000000000000" pitchFamily="34" charset="-128"/>
-              <a:ea typeface="小塚ゴシック Std H" panose="020B0800000000000000" pitchFamily="34" charset="-128"/>
-            </a:endParaRPr>
           </a:p>
         </p:txBody>
       </p:sp>
@@ -5514,6 +5668,308 @@
     <p:extLst>
       <p:ext uri="{BB962C8B-B14F-4D97-AF65-F5344CB8AC3E}">
         <p14:creationId xmlns:p14="http://schemas.microsoft.com/office/powerpoint/2010/main" val="76317041"/>
+      </p:ext>
+    </p:extLst>
+  </p:cSld>
+  <p:clrMapOvr>
+    <a:masterClrMapping/>
+  </p:clrMapOvr>
+</p:sld>
+</file>
+
+<file path=ppt/slides/slide8.xml><?xml version="1.0" encoding="utf-8"?>
+<p:sld xmlns:a="http://schemas.openxmlformats.org/drawingml/2006/main" xmlns:r="http://schemas.openxmlformats.org/officeDocument/2006/relationships" xmlns:p="http://schemas.openxmlformats.org/presentationml/2006/main">
+  <p:cSld>
+    <p:bg>
+      <p:bgPr>
+        <a:blipFill dpi="0" rotWithShape="1">
+          <a:blip r:embed="rId2">
+            <a:lum/>
+          </a:blip>
+          <a:srcRect/>
+          <a:stretch>
+            <a:fillRect/>
+          </a:stretch>
+        </a:blipFill>
+        <a:effectLst/>
+      </p:bgPr>
+    </p:bg>
+    <p:spTree>
+      <p:nvGrpSpPr>
+        <p:cNvPr id="1" name=""/>
+        <p:cNvGrpSpPr/>
+        <p:nvPr/>
+      </p:nvGrpSpPr>
+      <p:grpSpPr>
+        <a:xfrm>
+          <a:off x="0" y="0"/>
+          <a:ext cx="0" cy="0"/>
+          <a:chOff x="0" y="0"/>
+          <a:chExt cx="0" cy="0"/>
+        </a:xfrm>
+      </p:grpSpPr>
+      <p:sp>
+        <p:nvSpPr>
+          <p:cNvPr id="2" name="タイトル 1"/>
+          <p:cNvSpPr>
+            <a:spLocks noGrp="1"/>
+          </p:cNvSpPr>
+          <p:nvPr>
+            <p:ph type="ctrTitle"/>
+          </p:nvPr>
+        </p:nvSpPr>
+        <p:spPr>
+          <a:xfrm>
+            <a:off x="113211" y="409303"/>
+            <a:ext cx="6035040" cy="914400"/>
+          </a:xfrm>
+        </p:spPr>
+        <p:txBody>
+          <a:bodyPr>
+            <a:noAutofit/>
+          </a:bodyPr>
+          <a:lstStyle/>
+          <a:p>
+            <a:pPr algn="l"/>
+            <a:r>
+              <a:rPr lang="ja-JP" altLang="en-US" sz="5400" dirty="0" smtClean="0">
+                <a:latin typeface="小塚ゴシック Std H" panose="020B0800000000000000" pitchFamily="34" charset="-128"/>
+                <a:ea typeface="小塚ゴシック Std H" panose="020B0800000000000000" pitchFamily="34" charset="-128"/>
+              </a:rPr>
+              <a:t>長所と短所</a:t>
+            </a:r>
+            <a:endParaRPr kumimoji="1" lang="ja-JP" altLang="en-US" sz="5400" dirty="0">
+              <a:latin typeface="小塚ゴシック Std H" panose="020B0800000000000000" pitchFamily="34" charset="-128"/>
+              <a:ea typeface="小塚ゴシック Std H" panose="020B0800000000000000" pitchFamily="34" charset="-128"/>
+            </a:endParaRPr>
+          </a:p>
+        </p:txBody>
+      </p:sp>
+      <p:sp>
+        <p:nvSpPr>
+          <p:cNvPr id="3" name="サブタイトル 2"/>
+          <p:cNvSpPr>
+            <a:spLocks noGrp="1"/>
+          </p:cNvSpPr>
+          <p:nvPr>
+            <p:ph type="subTitle" idx="1"/>
+          </p:nvPr>
+        </p:nvSpPr>
+        <p:spPr>
+          <a:xfrm>
+            <a:off x="350520" y="2165123"/>
+            <a:ext cx="6858000" cy="4218259"/>
+          </a:xfrm>
+        </p:spPr>
+        <p:txBody>
+          <a:bodyPr/>
+          <a:lstStyle/>
+          <a:p>
+            <a:pPr algn="l"/>
+            <a:r>
+              <a:rPr lang="ja-JP" altLang="en-US" sz="2800" dirty="0" smtClean="0">
+                <a:latin typeface="小塚ゴシック Std H" panose="020B0800000000000000" pitchFamily="34" charset="-128"/>
+                <a:ea typeface="小塚ゴシック Std H" panose="020B0800000000000000" pitchFamily="34" charset="-128"/>
+              </a:rPr>
+              <a:t>長所</a:t>
+            </a:r>
+            <a:endParaRPr lang="en-US" altLang="ja-JP" sz="2800" dirty="0" smtClean="0">
+              <a:latin typeface="小塚ゴシック Std H" panose="020B0800000000000000" pitchFamily="34" charset="-128"/>
+              <a:ea typeface="小塚ゴシック Std H" panose="020B0800000000000000" pitchFamily="34" charset="-128"/>
+            </a:endParaRPr>
+          </a:p>
+          <a:p>
+            <a:pPr lvl="1" algn="l"/>
+            <a:r>
+              <a:rPr lang="ja-JP" altLang="en-US" sz="2400" dirty="0" smtClean="0">
+                <a:latin typeface="小塚ゴシック Std H" panose="020B0800000000000000" pitchFamily="34" charset="-128"/>
+                <a:ea typeface="小塚ゴシック Std H" panose="020B0800000000000000" pitchFamily="34" charset="-128"/>
+              </a:rPr>
+              <a:t>機体は一見不規則な動きをするため、敵機が狙い撃ちしにくい。</a:t>
+            </a:r>
+            <a:endParaRPr lang="en-US" altLang="ja-JP" sz="2400" dirty="0" smtClean="0">
+              <a:latin typeface="小塚ゴシック Std H" panose="020B0800000000000000" pitchFamily="34" charset="-128"/>
+              <a:ea typeface="小塚ゴシック Std H" panose="020B0800000000000000" pitchFamily="34" charset="-128"/>
+            </a:endParaRPr>
+          </a:p>
+          <a:p>
+            <a:pPr algn="l"/>
+            <a:endParaRPr lang="en-US" altLang="ja-JP" dirty="0">
+              <a:latin typeface="小塚ゴシック Std H" panose="020B0800000000000000" pitchFamily="34" charset="-128"/>
+              <a:ea typeface="小塚ゴシック Std H" panose="020B0800000000000000" pitchFamily="34" charset="-128"/>
+            </a:endParaRPr>
+          </a:p>
+          <a:p>
+            <a:pPr algn="l"/>
+            <a:r>
+              <a:rPr lang="ja-JP" altLang="en-US" sz="2800" dirty="0" smtClean="0">
+                <a:latin typeface="小塚ゴシック Std H" panose="020B0800000000000000" pitchFamily="34" charset="-128"/>
+                <a:ea typeface="小塚ゴシック Std H" panose="020B0800000000000000" pitchFamily="34" charset="-128"/>
+              </a:rPr>
+              <a:t>短所</a:t>
+            </a:r>
+            <a:endParaRPr lang="en-US" altLang="ja-JP" sz="2800" dirty="0" smtClean="0">
+              <a:latin typeface="小塚ゴシック Std H" panose="020B0800000000000000" pitchFamily="34" charset="-128"/>
+              <a:ea typeface="小塚ゴシック Std H" panose="020B0800000000000000" pitchFamily="34" charset="-128"/>
+            </a:endParaRPr>
+          </a:p>
+          <a:p>
+            <a:pPr lvl="1" algn="l"/>
+            <a:r>
+              <a:rPr lang="ja-JP" altLang="en-US" sz="2400" dirty="0" smtClean="0">
+                <a:latin typeface="小塚ゴシック Std H" panose="020B0800000000000000" pitchFamily="34" charset="-128"/>
+                <a:ea typeface="小塚ゴシック Std H" panose="020B0800000000000000" pitchFamily="34" charset="-128"/>
+              </a:rPr>
+              <a:t>壁に近づくと、壁からの力とその他の力が釣り合い、ほとんど動かなくなってしまう場合がある。</a:t>
+            </a:r>
+            <a:endParaRPr lang="ja-JP" altLang="en-US" sz="2400" dirty="0">
+              <a:latin typeface="小塚ゴシック Std H" panose="020B0800000000000000" pitchFamily="34" charset="-128"/>
+              <a:ea typeface="小塚ゴシック Std H" panose="020B0800000000000000" pitchFamily="34" charset="-128"/>
+            </a:endParaRPr>
+          </a:p>
+        </p:txBody>
+      </p:sp>
+    </p:spTree>
+    <p:extLst>
+      <p:ext uri="{BB962C8B-B14F-4D97-AF65-F5344CB8AC3E}">
+        <p14:creationId xmlns:p14="http://schemas.microsoft.com/office/powerpoint/2010/main" val="1593007900"/>
+      </p:ext>
+    </p:extLst>
+  </p:cSld>
+  <p:clrMapOvr>
+    <a:masterClrMapping/>
+  </p:clrMapOvr>
+</p:sld>
+</file>
+
+<file path=ppt/slides/slide9.xml><?xml version="1.0" encoding="utf-8"?>
+<p:sld xmlns:a="http://schemas.openxmlformats.org/drawingml/2006/main" xmlns:r="http://schemas.openxmlformats.org/officeDocument/2006/relationships" xmlns:p="http://schemas.openxmlformats.org/presentationml/2006/main">
+  <p:cSld>
+    <p:bg>
+      <p:bgPr>
+        <a:blipFill dpi="0" rotWithShape="1">
+          <a:blip r:embed="rId2">
+            <a:lum/>
+          </a:blip>
+          <a:srcRect/>
+          <a:stretch>
+            <a:fillRect/>
+          </a:stretch>
+        </a:blipFill>
+        <a:effectLst/>
+      </p:bgPr>
+    </p:bg>
+    <p:spTree>
+      <p:nvGrpSpPr>
+        <p:cNvPr id="1" name=""/>
+        <p:cNvGrpSpPr/>
+        <p:nvPr/>
+      </p:nvGrpSpPr>
+      <p:grpSpPr>
+        <a:xfrm>
+          <a:off x="0" y="0"/>
+          <a:ext cx="0" cy="0"/>
+          <a:chOff x="0" y="0"/>
+          <a:chExt cx="0" cy="0"/>
+        </a:xfrm>
+      </p:grpSpPr>
+      <p:sp>
+        <p:nvSpPr>
+          <p:cNvPr id="2" name="タイトル 1"/>
+          <p:cNvSpPr>
+            <a:spLocks noGrp="1"/>
+          </p:cNvSpPr>
+          <p:nvPr>
+            <p:ph type="ctrTitle"/>
+          </p:nvPr>
+        </p:nvSpPr>
+        <p:spPr>
+          <a:xfrm>
+            <a:off x="113211" y="409303"/>
+            <a:ext cx="6035040" cy="914400"/>
+          </a:xfrm>
+        </p:spPr>
+        <p:txBody>
+          <a:bodyPr>
+            <a:noAutofit/>
+          </a:bodyPr>
+          <a:lstStyle/>
+          <a:p>
+            <a:pPr algn="l"/>
+            <a:r>
+              <a:rPr lang="ja-JP" altLang="en-US" sz="5400" smtClean="0">
+                <a:latin typeface="小塚ゴシック Std H" panose="020B0800000000000000" pitchFamily="34" charset="-128"/>
+                <a:ea typeface="小塚ゴシック Std H" panose="020B0800000000000000" pitchFamily="34" charset="-128"/>
+              </a:rPr>
+              <a:t>開発の困難さ</a:t>
+            </a:r>
+            <a:endParaRPr kumimoji="1" lang="ja-JP" altLang="en-US" sz="5400" dirty="0">
+              <a:latin typeface="小塚ゴシック Std H" panose="020B0800000000000000" pitchFamily="34" charset="-128"/>
+              <a:ea typeface="小塚ゴシック Std H" panose="020B0800000000000000" pitchFamily="34" charset="-128"/>
+            </a:endParaRPr>
+          </a:p>
+        </p:txBody>
+      </p:sp>
+      <p:sp>
+        <p:nvSpPr>
+          <p:cNvPr id="3" name="サブタイトル 2"/>
+          <p:cNvSpPr>
+            <a:spLocks noGrp="1"/>
+          </p:cNvSpPr>
+          <p:nvPr>
+            <p:ph type="subTitle" idx="1"/>
+          </p:nvPr>
+        </p:nvSpPr>
+        <p:spPr>
+          <a:xfrm>
+            <a:off x="350520" y="2165123"/>
+            <a:ext cx="6858000" cy="4218259"/>
+          </a:xfrm>
+        </p:spPr>
+        <p:txBody>
+          <a:bodyPr/>
+          <a:lstStyle/>
+          <a:p>
+            <a:pPr algn="l"/>
+            <a:r>
+              <a:rPr lang="ja-JP" altLang="en-US" dirty="0" smtClean="0">
+                <a:latin typeface="小塚ゴシック Std H" panose="020B0800000000000000" pitchFamily="34" charset="-128"/>
+                <a:ea typeface="小塚ゴシック Std H" panose="020B0800000000000000" pitchFamily="34" charset="-128"/>
+              </a:rPr>
+              <a:t>搭載している機能が多いため、単純にプログラムの開発にかかる手間が多い。</a:t>
+            </a:r>
+            <a:endParaRPr lang="en-US" altLang="ja-JP" dirty="0" smtClean="0">
+              <a:latin typeface="小塚ゴシック Std H" panose="020B0800000000000000" pitchFamily="34" charset="-128"/>
+              <a:ea typeface="小塚ゴシック Std H" panose="020B0800000000000000" pitchFamily="34" charset="-128"/>
+            </a:endParaRPr>
+          </a:p>
+          <a:p>
+            <a:pPr algn="l"/>
+            <a:endParaRPr lang="en-US" altLang="ja-JP" dirty="0">
+              <a:latin typeface="小塚ゴシック Std H" panose="020B0800000000000000" pitchFamily="34" charset="-128"/>
+              <a:ea typeface="小塚ゴシック Std H" panose="020B0800000000000000" pitchFamily="34" charset="-128"/>
+            </a:endParaRPr>
+          </a:p>
+          <a:p>
+            <a:pPr algn="l"/>
+            <a:r>
+              <a:rPr lang="ja-JP" altLang="en-US" dirty="0" smtClean="0">
+                <a:latin typeface="小塚ゴシック Std H" panose="020B0800000000000000" pitchFamily="34" charset="-128"/>
+                <a:ea typeface="小塚ゴシック Std H" panose="020B0800000000000000" pitchFamily="34" charset="-128"/>
+              </a:rPr>
+              <a:t>→搭載している機能によって製作者を分担してグループワークの強みを最大限に発揮した。</a:t>
+            </a:r>
+            <a:endParaRPr lang="ja-JP" altLang="en-US" dirty="0">
+              <a:latin typeface="小塚ゴシック Std H" panose="020B0800000000000000" pitchFamily="34" charset="-128"/>
+              <a:ea typeface="小塚ゴシック Std H" panose="020B0800000000000000" pitchFamily="34" charset="-128"/>
+            </a:endParaRPr>
+          </a:p>
+        </p:txBody>
+      </p:sp>
+    </p:spTree>
+    <p:extLst>
+      <p:ext uri="{BB962C8B-B14F-4D97-AF65-F5344CB8AC3E}">
+        <p14:creationId xmlns:p14="http://schemas.microsoft.com/office/powerpoint/2010/main" val="3589486777"/>
       </p:ext>
     </p:extLst>
   </p:cSld>

--- a/期末スライド.pptx
+++ b/期末スライド.pptx
@@ -9,12 +9,11 @@
     <p:sldId id="256" r:id="rId3"/>
     <p:sldId id="258" r:id="rId4"/>
     <p:sldId id="257" r:id="rId5"/>
-    <p:sldId id="259" r:id="rId6"/>
+    <p:sldId id="266" r:id="rId6"/>
     <p:sldId id="260" r:id="rId7"/>
-    <p:sldId id="261" r:id="rId8"/>
-    <p:sldId id="263" r:id="rId9"/>
-    <p:sldId id="264" r:id="rId10"/>
-    <p:sldId id="265" r:id="rId11"/>
+    <p:sldId id="263" r:id="rId8"/>
+    <p:sldId id="264" r:id="rId9"/>
+    <p:sldId id="265" r:id="rId10"/>
   </p:sldIdLst>
   <p:sldSz cx="9144000" cy="6858000" type="screen4x3"/>
   <p:notesSz cx="6858000" cy="9144000"/>
@@ -252,7 +251,7 @@
           <a:p>
             <a:fld id="{7B44A800-103E-4956-9C37-8760A6D32DD9}" type="datetimeFigureOut">
               <a:rPr kumimoji="1" lang="ja-JP" altLang="en-US" smtClean="0"/>
-              <a:t>2016/1/19</a:t>
+              <a:t>2016/1/20</a:t>
             </a:fld>
             <a:endParaRPr kumimoji="1" lang="ja-JP" altLang="en-US"/>
           </a:p>
@@ -454,7 +453,7 @@
           <a:p>
             <a:fld id="{7B44A800-103E-4956-9C37-8760A6D32DD9}" type="datetimeFigureOut">
               <a:rPr kumimoji="1" lang="ja-JP" altLang="en-US" smtClean="0"/>
-              <a:t>2016/1/19</a:t>
+              <a:t>2016/1/20</a:t>
             </a:fld>
             <a:endParaRPr kumimoji="1" lang="ja-JP" altLang="en-US"/>
           </a:p>
@@ -666,7 +665,7 @@
           <a:p>
             <a:fld id="{7B44A800-103E-4956-9C37-8760A6D32DD9}" type="datetimeFigureOut">
               <a:rPr kumimoji="1" lang="ja-JP" altLang="en-US" smtClean="0"/>
-              <a:t>2016/1/19</a:t>
+              <a:t>2016/1/20</a:t>
             </a:fld>
             <a:endParaRPr kumimoji="1" lang="ja-JP" altLang="en-US"/>
           </a:p>
@@ -868,7 +867,7 @@
           <a:p>
             <a:fld id="{7B44A800-103E-4956-9C37-8760A6D32DD9}" type="datetimeFigureOut">
               <a:rPr kumimoji="1" lang="ja-JP" altLang="en-US" smtClean="0"/>
-              <a:t>2016/1/19</a:t>
+              <a:t>2016/1/20</a:t>
             </a:fld>
             <a:endParaRPr kumimoji="1" lang="ja-JP" altLang="en-US"/>
           </a:p>
@@ -1112,7 +1111,7 @@
           <a:p>
             <a:fld id="{7B44A800-103E-4956-9C37-8760A6D32DD9}" type="datetimeFigureOut">
               <a:rPr kumimoji="1" lang="ja-JP" altLang="en-US" smtClean="0"/>
-              <a:t>2016/1/19</a:t>
+              <a:t>2016/1/20</a:t>
             </a:fld>
             <a:endParaRPr kumimoji="1" lang="ja-JP" altLang="en-US"/>
           </a:p>
@@ -1408,7 +1407,7 @@
           <a:p>
             <a:fld id="{7B44A800-103E-4956-9C37-8760A6D32DD9}" type="datetimeFigureOut">
               <a:rPr kumimoji="1" lang="ja-JP" altLang="en-US" smtClean="0"/>
-              <a:t>2016/1/19</a:t>
+              <a:t>2016/1/20</a:t>
             </a:fld>
             <a:endParaRPr kumimoji="1" lang="ja-JP" altLang="en-US"/>
           </a:p>
@@ -1839,7 +1838,7 @@
           <a:p>
             <a:fld id="{7B44A800-103E-4956-9C37-8760A6D32DD9}" type="datetimeFigureOut">
               <a:rPr kumimoji="1" lang="ja-JP" altLang="en-US" smtClean="0"/>
-              <a:t>2016/1/19</a:t>
+              <a:t>2016/1/20</a:t>
             </a:fld>
             <a:endParaRPr kumimoji="1" lang="ja-JP" altLang="en-US"/>
           </a:p>
@@ -1957,7 +1956,7 @@
           <a:p>
             <a:fld id="{7B44A800-103E-4956-9C37-8760A6D32DD9}" type="datetimeFigureOut">
               <a:rPr kumimoji="1" lang="ja-JP" altLang="en-US" smtClean="0"/>
-              <a:t>2016/1/19</a:t>
+              <a:t>2016/1/20</a:t>
             </a:fld>
             <a:endParaRPr kumimoji="1" lang="ja-JP" altLang="en-US"/>
           </a:p>
@@ -2052,7 +2051,7 @@
           <a:p>
             <a:fld id="{7B44A800-103E-4956-9C37-8760A6D32DD9}" type="datetimeFigureOut">
               <a:rPr kumimoji="1" lang="ja-JP" altLang="en-US" smtClean="0"/>
-              <a:t>2016/1/19</a:t>
+              <a:t>2016/1/20</a:t>
             </a:fld>
             <a:endParaRPr kumimoji="1" lang="ja-JP" altLang="en-US"/>
           </a:p>
@@ -2361,7 +2360,7 @@
           <a:p>
             <a:fld id="{7B44A800-103E-4956-9C37-8760A6D32DD9}" type="datetimeFigureOut">
               <a:rPr kumimoji="1" lang="ja-JP" altLang="en-US" smtClean="0"/>
-              <a:t>2016/1/19</a:t>
+              <a:t>2016/1/20</a:t>
             </a:fld>
             <a:endParaRPr kumimoji="1" lang="ja-JP" altLang="en-US"/>
           </a:p>
@@ -2618,7 +2617,7 @@
           <a:p>
             <a:fld id="{7B44A800-103E-4956-9C37-8760A6D32DD9}" type="datetimeFigureOut">
               <a:rPr kumimoji="1" lang="ja-JP" altLang="en-US" smtClean="0"/>
-              <a:t>2016/1/19</a:t>
+              <a:t>2016/1/20</a:t>
             </a:fld>
             <a:endParaRPr kumimoji="1" lang="ja-JP" altLang="en-US"/>
           </a:p>
@@ -2863,7 +2862,7 @@
           <a:p>
             <a:fld id="{7B44A800-103E-4956-9C37-8760A6D32DD9}" type="datetimeFigureOut">
               <a:rPr kumimoji="1" lang="ja-JP" altLang="en-US" smtClean="0"/>
-              <a:t>2016/1/19</a:t>
+              <a:t>2016/1/20</a:t>
             </a:fld>
             <a:endParaRPr kumimoji="1" lang="ja-JP" altLang="en-US"/>
           </a:p>
@@ -3388,7 +3387,14 @@
                 <a:latin typeface="小塚ゴシック Std H" panose="020B0800000000000000" pitchFamily="34" charset="-128"/>
                 <a:ea typeface="小塚ゴシック Std H" panose="020B0800000000000000" pitchFamily="34" charset="-128"/>
               </a:rPr>
-              <a:t>戦車毎の戦略</a:t>
+              <a:t>戦車ごとの</a:t>
+            </a:r>
+            <a:r>
+              <a:rPr lang="ja-JP" altLang="en-US" sz="2400" dirty="0" smtClean="0">
+                <a:latin typeface="小塚ゴシック Std H" panose="020B0800000000000000" pitchFamily="34" charset="-128"/>
+                <a:ea typeface="小塚ゴシック Std H" panose="020B0800000000000000" pitchFamily="34" charset="-128"/>
+              </a:rPr>
+              <a:t>戦略</a:t>
             </a:r>
             <a:r>
               <a:rPr lang="en-US" altLang="ja-JP" sz="2400" dirty="0" smtClean="0">
@@ -3437,22 +3443,12 @@
                 <a:latin typeface="小塚ゴシック Std H" panose="020B0800000000000000" pitchFamily="34" charset="-128"/>
                 <a:ea typeface="小塚ゴシック Std H" panose="020B0800000000000000" pitchFamily="34" charset="-128"/>
               </a:rPr>
-              <a:t>/</a:t>
-            </a:r>
-            <a:r>
-              <a:rPr lang="ja-JP" altLang="en-US" sz="2400" dirty="0" smtClean="0">
-                <a:latin typeface="小塚ゴシック Std H" panose="020B0800000000000000" pitchFamily="34" charset="-128"/>
-                <a:ea typeface="小塚ゴシック Std H" panose="020B0800000000000000" pitchFamily="34" charset="-128"/>
-              </a:rPr>
-              <a:t>回避</a:t>
-            </a:r>
-            <a:r>
-              <a:rPr lang="en-US" altLang="ja-JP" sz="2400" dirty="0" smtClean="0">
-                <a:latin typeface="小塚ゴシック Std H" panose="020B0800000000000000" pitchFamily="34" charset="-128"/>
-                <a:ea typeface="小塚ゴシック Std H" panose="020B0800000000000000" pitchFamily="34" charset="-128"/>
-              </a:rPr>
               <a:t>)</a:t>
             </a:r>
+            <a:endParaRPr lang="en-US" altLang="ja-JP" sz="2400" dirty="0" smtClean="0">
+              <a:latin typeface="小塚ゴシック Std H" panose="020B0800000000000000" pitchFamily="34" charset="-128"/>
+              <a:ea typeface="小塚ゴシック Std H" panose="020B0800000000000000" pitchFamily="34" charset="-128"/>
+            </a:endParaRPr>
           </a:p>
           <a:p>
             <a:pPr lvl="1" algn="l">
@@ -3548,150 +3544,6 @@
     <p:extLst>
       <p:ext uri="{BB962C8B-B14F-4D97-AF65-F5344CB8AC3E}">
         <p14:creationId xmlns:p14="http://schemas.microsoft.com/office/powerpoint/2010/main" val="319067261"/>
-      </p:ext>
-    </p:extLst>
-  </p:cSld>
-  <p:clrMapOvr>
-    <a:masterClrMapping/>
-  </p:clrMapOvr>
-</p:sld>
-</file>
-
-<file path=ppt/slides/slide10.xml><?xml version="1.0" encoding="utf-8"?>
-<p:sld xmlns:a="http://schemas.openxmlformats.org/drawingml/2006/main" xmlns:r="http://schemas.openxmlformats.org/officeDocument/2006/relationships" xmlns:p="http://schemas.openxmlformats.org/presentationml/2006/main">
-  <p:cSld>
-    <p:bg>
-      <p:bgPr>
-        <a:blipFill dpi="0" rotWithShape="1">
-          <a:blip r:embed="rId2">
-            <a:lum/>
-          </a:blip>
-          <a:srcRect/>
-          <a:stretch>
-            <a:fillRect/>
-          </a:stretch>
-        </a:blipFill>
-        <a:effectLst/>
-      </p:bgPr>
-    </p:bg>
-    <p:spTree>
-      <p:nvGrpSpPr>
-        <p:cNvPr id="1" name=""/>
-        <p:cNvGrpSpPr/>
-        <p:nvPr/>
-      </p:nvGrpSpPr>
-      <p:grpSpPr>
-        <a:xfrm>
-          <a:off x="0" y="0"/>
-          <a:ext cx="0" cy="0"/>
-          <a:chOff x="0" y="0"/>
-          <a:chExt cx="0" cy="0"/>
-        </a:xfrm>
-      </p:grpSpPr>
-      <p:sp>
-        <p:nvSpPr>
-          <p:cNvPr id="2" name="タイトル 1"/>
-          <p:cNvSpPr>
-            <a:spLocks noGrp="1"/>
-          </p:cNvSpPr>
-          <p:nvPr>
-            <p:ph type="ctrTitle"/>
-          </p:nvPr>
-        </p:nvSpPr>
-        <p:spPr>
-          <a:xfrm>
-            <a:off x="113211" y="409303"/>
-            <a:ext cx="6035040" cy="914400"/>
-          </a:xfrm>
-        </p:spPr>
-        <p:txBody>
-          <a:bodyPr>
-            <a:noAutofit/>
-          </a:bodyPr>
-          <a:lstStyle/>
-          <a:p>
-            <a:pPr algn="l"/>
-            <a:r>
-              <a:rPr lang="ja-JP" altLang="en-US" sz="5400" dirty="0" smtClean="0">
-                <a:latin typeface="小塚ゴシック Std H" panose="020B0800000000000000" pitchFamily="34" charset="-128"/>
-                <a:ea typeface="小塚ゴシック Std H" panose="020B0800000000000000" pitchFamily="34" charset="-128"/>
-              </a:rPr>
-              <a:t>終了</a:t>
-            </a:r>
-            <a:endParaRPr kumimoji="1" lang="ja-JP" altLang="en-US" sz="5400" dirty="0">
-              <a:latin typeface="小塚ゴシック Std H" panose="020B0800000000000000" pitchFamily="34" charset="-128"/>
-              <a:ea typeface="小塚ゴシック Std H" panose="020B0800000000000000" pitchFamily="34" charset="-128"/>
-            </a:endParaRPr>
-          </a:p>
-        </p:txBody>
-      </p:sp>
-      <p:sp>
-        <p:nvSpPr>
-          <p:cNvPr id="3" name="サブタイトル 2"/>
-          <p:cNvSpPr>
-            <a:spLocks noGrp="1"/>
-          </p:cNvSpPr>
-          <p:nvPr>
-            <p:ph type="subTitle" idx="1"/>
-          </p:nvPr>
-        </p:nvSpPr>
-        <p:spPr>
-          <a:xfrm>
-            <a:off x="350520" y="2165123"/>
-            <a:ext cx="6858000" cy="4218259"/>
-          </a:xfrm>
-        </p:spPr>
-        <p:txBody>
-          <a:bodyPr/>
-          <a:lstStyle/>
-          <a:p>
-            <a:pPr algn="l"/>
-            <a:r>
-              <a:rPr lang="en-US" altLang="ja-JP" dirty="0" smtClean="0">
-                <a:latin typeface="小塚ゴシック Std H" panose="020B0800000000000000" pitchFamily="34" charset="-128"/>
-                <a:ea typeface="小塚ゴシック Std H" panose="020B0800000000000000" pitchFamily="34" charset="-128"/>
-              </a:rPr>
-              <a:t>6</a:t>
-            </a:r>
-            <a:r>
-              <a:rPr lang="ja-JP" altLang="en-US" dirty="0" smtClean="0">
-                <a:latin typeface="小塚ゴシック Std H" panose="020B0800000000000000" pitchFamily="34" charset="-128"/>
-                <a:ea typeface="小塚ゴシック Std H" panose="020B0800000000000000" pitchFamily="34" charset="-128"/>
-              </a:rPr>
-              <a:t>班の発表は以上です。</a:t>
-            </a:r>
-            <a:endParaRPr lang="en-US" altLang="ja-JP" dirty="0" smtClean="0">
-              <a:latin typeface="小塚ゴシック Std H" panose="020B0800000000000000" pitchFamily="34" charset="-128"/>
-              <a:ea typeface="小塚ゴシック Std H" panose="020B0800000000000000" pitchFamily="34" charset="-128"/>
-            </a:endParaRPr>
-          </a:p>
-          <a:p>
-            <a:pPr algn="l"/>
-            <a:r>
-              <a:rPr lang="ja-JP" altLang="en-US" smtClean="0">
-                <a:latin typeface="小塚ゴシック Std H" panose="020B0800000000000000" pitchFamily="34" charset="-128"/>
-                <a:ea typeface="小塚ゴシック Std H" panose="020B0800000000000000" pitchFamily="34" charset="-128"/>
-              </a:rPr>
-              <a:t>ご清聴いただきありがとう</a:t>
-            </a:r>
-            <a:r>
-              <a:rPr lang="ja-JP" altLang="en-US" dirty="0" smtClean="0">
-                <a:latin typeface="小塚ゴシック Std H" panose="020B0800000000000000" pitchFamily="34" charset="-128"/>
-                <a:ea typeface="小塚ゴシック Std H" panose="020B0800000000000000" pitchFamily="34" charset="-128"/>
-              </a:rPr>
-              <a:t>ございました。</a:t>
-            </a:r>
-            <a:endParaRPr lang="ja-JP" altLang="en-US" dirty="0">
-              <a:latin typeface="小塚ゴシック Std H" panose="020B0800000000000000" pitchFamily="34" charset="-128"/>
-              <a:ea typeface="小塚ゴシック Std H" panose="020B0800000000000000" pitchFamily="34" charset="-128"/>
-            </a:endParaRPr>
-          </a:p>
-        </p:txBody>
-      </p:sp>
-    </p:spTree>
-    <p:extLst>
-      <p:ext uri="{BB962C8B-B14F-4D97-AF65-F5344CB8AC3E}">
-        <p14:creationId xmlns:p14="http://schemas.microsoft.com/office/powerpoint/2010/main" val="3917938418"/>
       </p:ext>
     </p:extLst>
   </p:cSld>
@@ -3781,9 +3633,14 @@
         </p:nvSpPr>
         <p:spPr>
           <a:xfrm>
-            <a:off x="350520" y="2165123"/>
-            <a:ext cx="7428704" cy="4508632"/>
+            <a:off x="350519" y="2165123"/>
+            <a:ext cx="7652657" cy="4508632"/>
           </a:xfrm>
+          <a:solidFill>
+            <a:schemeClr val="bg1">
+              <a:alpha val="74000"/>
+            </a:schemeClr>
+          </a:solidFill>
         </p:spPr>
         <p:txBody>
           <a:bodyPr>
@@ -3911,11 +3768,18 @@
           <a:p>
             <a:pPr lvl="1" algn="l"/>
             <a:r>
-              <a:rPr lang="ja-JP" altLang="en-US" dirty="0" smtClean="0">
-                <a:latin typeface="小塚ゴシック Std H" panose="020B0800000000000000" pitchFamily="34" charset="-128"/>
-                <a:ea typeface="小塚ゴシック Std H" panose="020B0800000000000000" pitchFamily="34" charset="-128"/>
-              </a:rPr>
-              <a:t>相手</a:t>
+              <a:rPr lang="en-US" altLang="ja-JP" dirty="0" smtClean="0">
+                <a:latin typeface="小塚ゴシック Std H" panose="020B0800000000000000" pitchFamily="34" charset="-128"/>
+                <a:ea typeface="小塚ゴシック Std H" panose="020B0800000000000000" pitchFamily="34" charset="-128"/>
+              </a:rPr>
+              <a:t>Walls</a:t>
+            </a:r>
+            <a:r>
+              <a:rPr lang="ja-JP" altLang="en-US" dirty="0" smtClean="0">
+                <a:latin typeface="小塚ゴシック Std H" panose="020B0800000000000000" pitchFamily="34" charset="-128"/>
+                <a:ea typeface="小塚ゴシック Std H" panose="020B0800000000000000" pitchFamily="34" charset="-128"/>
+              </a:rPr>
+              <a:t>を除く相手</a:t>
             </a:r>
             <a:r>
               <a:rPr lang="ja-JP" altLang="en-US" dirty="0">
@@ -4054,42 +3918,67 @@
           <a:p>
             <a:pPr lvl="1" algn="l"/>
             <a:r>
-              <a:rPr lang="ja-JP" altLang="en-US" dirty="0" smtClean="0">
-                <a:latin typeface="小塚ゴシック Std H" panose="020B0800000000000000" pitchFamily="34" charset="-128"/>
-                <a:ea typeface="小塚ゴシック Std H" panose="020B0800000000000000" pitchFamily="34" charset="-128"/>
-              </a:rPr>
-              <a:t>敵機</a:t>
-            </a:r>
-            <a:r>
               <a:rPr lang="ja-JP" altLang="en-US" dirty="0">
                 <a:latin typeface="小塚ゴシック Std H" panose="020B0800000000000000" pitchFamily="34" charset="-128"/>
                 <a:ea typeface="小塚ゴシック Std H" panose="020B0800000000000000" pitchFamily="34" charset="-128"/>
               </a:rPr>
-              <a:t>の情報は</a:t>
+              <a:t>リーダー機は定期的にレーダーを回し</a:t>
+            </a:r>
+            <a:r>
+              <a:rPr lang="ja-JP" altLang="en-US" dirty="0" smtClean="0">
+                <a:latin typeface="小塚ゴシック Std H" panose="020B0800000000000000" pitchFamily="34" charset="-128"/>
+                <a:ea typeface="小塚ゴシック Std H" panose="020B0800000000000000" pitchFamily="34" charset="-128"/>
+              </a:rPr>
+              <a:t>、攻撃の優先度</a:t>
             </a:r>
             <a:r>
               <a:rPr lang="ja-JP" altLang="en-US" dirty="0">
-                <a:solidFill>
-                  <a:srgbClr val="FF0000"/>
-                </a:solidFill>
-                <a:latin typeface="小塚ゴシック Std H" panose="020B0800000000000000" pitchFamily="34" charset="-128"/>
-                <a:ea typeface="小塚ゴシック Std H" panose="020B0800000000000000" pitchFamily="34" charset="-128"/>
-              </a:rPr>
-              <a:t>チーム内で共有</a:t>
+                <a:latin typeface="小塚ゴシック Std H" panose="020B0800000000000000" pitchFamily="34" charset="-128"/>
+                <a:ea typeface="小塚ゴシック Std H" panose="020B0800000000000000" pitchFamily="34" charset="-128"/>
+              </a:rPr>
+              <a:t>を</a:t>
+            </a:r>
+            <a:r>
+              <a:rPr lang="ja-JP" altLang="en-US" dirty="0" smtClean="0">
+                <a:latin typeface="小塚ゴシック Std H" panose="020B0800000000000000" pitchFamily="34" charset="-128"/>
+                <a:ea typeface="小塚ゴシック Std H" panose="020B0800000000000000" pitchFamily="34" charset="-128"/>
+              </a:rPr>
+              <a:t>決めて</a:t>
             </a:r>
             <a:r>
               <a:rPr lang="ja-JP" altLang="en-US" dirty="0">
                 <a:latin typeface="小塚ゴシック Std H" panose="020B0800000000000000" pitchFamily="34" charset="-128"/>
                 <a:ea typeface="小塚ゴシック Std H" panose="020B0800000000000000" pitchFamily="34" charset="-128"/>
               </a:rPr>
-              <a:t>する</a:t>
-            </a:r>
-            <a:r>
-              <a:rPr lang="ja-JP" altLang="en-US" dirty="0" smtClean="0">
-                <a:latin typeface="小塚ゴシック Std H" panose="020B0800000000000000" pitchFamily="34" charset="-128"/>
-                <a:ea typeface="小塚ゴシック Std H" panose="020B0800000000000000" pitchFamily="34" charset="-128"/>
-              </a:rPr>
-              <a:t>。</a:t>
+              <a:t>一般機に</a:t>
+            </a:r>
+            <a:r>
+              <a:rPr lang="ja-JP" altLang="en-US" dirty="0" smtClean="0">
+                <a:latin typeface="小塚ゴシック Std H" panose="020B0800000000000000" pitchFamily="34" charset="-128"/>
+                <a:ea typeface="小塚ゴシック Std H" panose="020B0800000000000000" pitchFamily="34" charset="-128"/>
+              </a:rPr>
+              <a:t>送信。</a:t>
+            </a:r>
+            <a:r>
+              <a:rPr lang="ja-JP" altLang="en-US" dirty="0">
+                <a:latin typeface="小塚ゴシック Std H" panose="020B0800000000000000" pitchFamily="34" charset="-128"/>
+                <a:ea typeface="小塚ゴシック Std H" panose="020B0800000000000000" pitchFamily="34" charset="-128"/>
+              </a:rPr>
+              <a:t>一般機</a:t>
+            </a:r>
+            <a:r>
+              <a:rPr lang="ja-JP" altLang="en-US" dirty="0" smtClean="0">
+                <a:latin typeface="小塚ゴシック Std H" panose="020B0800000000000000" pitchFamily="34" charset="-128"/>
+                <a:ea typeface="小塚ゴシック Std H" panose="020B0800000000000000" pitchFamily="34" charset="-128"/>
+              </a:rPr>
+              <a:t>はそれに従い敵</a:t>
+            </a:r>
+            <a:r>
+              <a:rPr lang="ja-JP" altLang="en-US" dirty="0">
+                <a:latin typeface="小塚ゴシック Std H" panose="020B0800000000000000" pitchFamily="34" charset="-128"/>
+                <a:ea typeface="小塚ゴシック Std H" panose="020B0800000000000000" pitchFamily="34" charset="-128"/>
+              </a:rPr>
+              <a:t>を狙う。</a:t>
             </a:r>
             <a:endParaRPr lang="ja-JP" altLang="en-US" dirty="0">
               <a:latin typeface="小塚ゴシック Std H" panose="020B0800000000000000" pitchFamily="34" charset="-128"/>
@@ -4170,7 +4059,7 @@
                 <a:latin typeface="小塚ゴシック Std H" panose="020B0800000000000000" pitchFamily="34" charset="-128"/>
                 <a:ea typeface="小塚ゴシック Std H" panose="020B0800000000000000" pitchFamily="34" charset="-128"/>
               </a:rPr>
-              <a:t>戦車毎の</a:t>
+              <a:t>戦車ごとの</a:t>
             </a:r>
             <a:r>
               <a:rPr lang="ja-JP" altLang="en-US" sz="5400" dirty="0">
@@ -4208,21 +4097,152 @@
           <a:p>
             <a:pPr algn="l"/>
             <a:r>
-              <a:rPr lang="ja-JP" altLang="en-US" dirty="0" smtClean="0">
+              <a:rPr lang="ja-JP" altLang="en-US" dirty="0">
+                <a:latin typeface="小塚ゴシック Std H" panose="020B0800000000000000" pitchFamily="34" charset="-128"/>
+                <a:ea typeface="小塚ゴシック Std H" panose="020B0800000000000000" pitchFamily="34" charset="-128"/>
+              </a:rPr>
+              <a:t>リーダー機　</a:t>
+            </a:r>
+            <a:r>
+              <a:rPr lang="en-US" altLang="ja-JP" dirty="0" smtClean="0">
+                <a:latin typeface="小塚ゴシック Std H" panose="020B0800000000000000" pitchFamily="34" charset="-128"/>
+                <a:ea typeface="小塚ゴシック Std H" panose="020B0800000000000000" pitchFamily="34" charset="-128"/>
+              </a:rPr>
+              <a:t>…</a:t>
+            </a:r>
+            <a:r>
+              <a:rPr lang="ja-JP" altLang="en-US" dirty="0" smtClean="0">
+                <a:latin typeface="小塚ゴシック Std H" panose="020B0800000000000000" pitchFamily="34" charset="-128"/>
+                <a:ea typeface="小塚ゴシック Std H" panose="020B0800000000000000" pitchFamily="34" charset="-128"/>
+              </a:rPr>
+              <a:t>敵</a:t>
+            </a:r>
+            <a:r>
+              <a:rPr lang="ja-JP" altLang="en-US" dirty="0">
+                <a:latin typeface="小塚ゴシック Std H" panose="020B0800000000000000" pitchFamily="34" charset="-128"/>
+                <a:ea typeface="小塚ゴシック Std H" panose="020B0800000000000000" pitchFamily="34" charset="-128"/>
+              </a:rPr>
+              <a:t>から</a:t>
+            </a:r>
+            <a:r>
+              <a:rPr lang="ja-JP" altLang="en-US" dirty="0">
                 <a:solidFill>
                   <a:srgbClr val="FF0000"/>
                 </a:solidFill>
                 <a:latin typeface="小塚ゴシック Std H" panose="020B0800000000000000" pitchFamily="34" charset="-128"/>
                 <a:ea typeface="小塚ゴシック Std H" panose="020B0800000000000000" pitchFamily="34" charset="-128"/>
               </a:rPr>
-              <a:t>全ての戦車</a:t>
-            </a:r>
-            <a:r>
-              <a:rPr lang="ja-JP" altLang="en-US" dirty="0" smtClean="0">
-                <a:latin typeface="小塚ゴシック Std H" panose="020B0800000000000000" pitchFamily="34" charset="-128"/>
-                <a:ea typeface="小塚ゴシック Std H" panose="020B0800000000000000" pitchFamily="34" charset="-128"/>
-              </a:rPr>
-              <a:t>が同一のルールに基づいて動く。</a:t>
+              <a:t>離れるように</a:t>
+            </a:r>
+            <a:r>
+              <a:rPr lang="ja-JP" altLang="en-US" dirty="0">
+                <a:latin typeface="小塚ゴシック Std H" panose="020B0800000000000000" pitchFamily="34" charset="-128"/>
+                <a:ea typeface="小塚ゴシック Std H" panose="020B0800000000000000" pitchFamily="34" charset="-128"/>
+              </a:rPr>
+              <a:t>動く</a:t>
+            </a:r>
+          </a:p>
+          <a:p>
+            <a:pPr algn="l"/>
+            <a:r>
+              <a:rPr lang="ja-JP" altLang="en-US" dirty="0">
+                <a:latin typeface="小塚ゴシック Std H" panose="020B0800000000000000" pitchFamily="34" charset="-128"/>
+                <a:ea typeface="小塚ゴシック Std H" panose="020B0800000000000000" pitchFamily="34" charset="-128"/>
+              </a:rPr>
+              <a:t>一般機</a:t>
+            </a:r>
+            <a:r>
+              <a:rPr lang="en-US" altLang="ja-JP" dirty="0" smtClean="0">
+                <a:latin typeface="小塚ゴシック Std H" panose="020B0800000000000000" pitchFamily="34" charset="-128"/>
+                <a:ea typeface="小塚ゴシック Std H" panose="020B0800000000000000" pitchFamily="34" charset="-128"/>
+              </a:rPr>
+              <a:t>1	…</a:t>
+            </a:r>
+            <a:r>
+              <a:rPr lang="ja-JP" altLang="en-US" dirty="0" smtClean="0">
+                <a:latin typeface="小塚ゴシック Std H" panose="020B0800000000000000" pitchFamily="34" charset="-128"/>
+                <a:ea typeface="小塚ゴシック Std H" panose="020B0800000000000000" pitchFamily="34" charset="-128"/>
+              </a:rPr>
+              <a:t>敵</a:t>
+            </a:r>
+            <a:r>
+              <a:rPr lang="ja-JP" altLang="en-US" dirty="0">
+                <a:latin typeface="小塚ゴシック Std H" panose="020B0800000000000000" pitchFamily="34" charset="-128"/>
+                <a:ea typeface="小塚ゴシック Std H" panose="020B0800000000000000" pitchFamily="34" charset="-128"/>
+              </a:rPr>
+              <a:t>と</a:t>
+            </a:r>
+            <a:r>
+              <a:rPr lang="ja-JP" altLang="en-US" dirty="0">
+                <a:solidFill>
+                  <a:srgbClr val="FF0000"/>
+                </a:solidFill>
+                <a:latin typeface="小塚ゴシック Std H" panose="020B0800000000000000" pitchFamily="34" charset="-128"/>
+                <a:ea typeface="小塚ゴシック Std H" panose="020B0800000000000000" pitchFamily="34" charset="-128"/>
+              </a:rPr>
+              <a:t>距離を保つように</a:t>
+            </a:r>
+            <a:r>
+              <a:rPr lang="ja-JP" altLang="en-US" dirty="0">
+                <a:latin typeface="小塚ゴシック Std H" panose="020B0800000000000000" pitchFamily="34" charset="-128"/>
+                <a:ea typeface="小塚ゴシック Std H" panose="020B0800000000000000" pitchFamily="34" charset="-128"/>
+              </a:rPr>
+              <a:t>動く</a:t>
+            </a:r>
+          </a:p>
+          <a:p>
+            <a:pPr algn="l"/>
+            <a:r>
+              <a:rPr lang="ja-JP" altLang="en-US" dirty="0">
+                <a:latin typeface="小塚ゴシック Std H" panose="020B0800000000000000" pitchFamily="34" charset="-128"/>
+                <a:ea typeface="小塚ゴシック Std H" panose="020B0800000000000000" pitchFamily="34" charset="-128"/>
+              </a:rPr>
+              <a:t>一般機</a:t>
+            </a:r>
+            <a:r>
+              <a:rPr lang="en-US" altLang="ja-JP" dirty="0" smtClean="0">
+                <a:latin typeface="小塚ゴシック Std H" panose="020B0800000000000000" pitchFamily="34" charset="-128"/>
+                <a:ea typeface="小塚ゴシック Std H" panose="020B0800000000000000" pitchFamily="34" charset="-128"/>
+              </a:rPr>
+              <a:t>2	…</a:t>
+            </a:r>
+            <a:r>
+              <a:rPr lang="ja-JP" altLang="en-US" dirty="0" smtClean="0">
+                <a:latin typeface="小塚ゴシック Std H" panose="020B0800000000000000" pitchFamily="34" charset="-128"/>
+                <a:ea typeface="小塚ゴシック Std H" panose="020B0800000000000000" pitchFamily="34" charset="-128"/>
+              </a:rPr>
+              <a:t>敵</a:t>
+            </a:r>
+            <a:r>
+              <a:rPr lang="ja-JP" altLang="en-US" dirty="0">
+                <a:latin typeface="小塚ゴシック Std H" panose="020B0800000000000000" pitchFamily="34" charset="-128"/>
+                <a:ea typeface="小塚ゴシック Std H" panose="020B0800000000000000" pitchFamily="34" charset="-128"/>
+              </a:rPr>
+              <a:t>に</a:t>
+            </a:r>
+            <a:r>
+              <a:rPr lang="ja-JP" altLang="en-US" dirty="0">
+                <a:solidFill>
+                  <a:srgbClr val="FF0000"/>
+                </a:solidFill>
+                <a:latin typeface="小塚ゴシック Std H" panose="020B0800000000000000" pitchFamily="34" charset="-128"/>
+                <a:ea typeface="小塚ゴシック Std H" panose="020B0800000000000000" pitchFamily="34" charset="-128"/>
+              </a:rPr>
+              <a:t>積極的に体当たり</a:t>
+            </a:r>
+            <a:r>
+              <a:rPr lang="ja-JP" altLang="en-US" dirty="0">
+                <a:latin typeface="小塚ゴシック Std H" panose="020B0800000000000000" pitchFamily="34" charset="-128"/>
+                <a:ea typeface="小塚ゴシック Std H" panose="020B0800000000000000" pitchFamily="34" charset="-128"/>
+              </a:rPr>
+              <a:t>して</a:t>
+            </a:r>
+            <a:r>
+              <a:rPr lang="ja-JP" altLang="en-US" dirty="0" smtClean="0">
+                <a:latin typeface="小塚ゴシック Std H" panose="020B0800000000000000" pitchFamily="34" charset="-128"/>
+                <a:ea typeface="小塚ゴシック Std H" panose="020B0800000000000000" pitchFamily="34" charset="-128"/>
+              </a:rPr>
+              <a:t>いく</a:t>
             </a:r>
             <a:endParaRPr lang="en-US" altLang="ja-JP" dirty="0" smtClean="0">
               <a:latin typeface="小塚ゴシック Std H" panose="020B0800000000000000" pitchFamily="34" charset="-128"/>
@@ -4231,13 +4251,6 @@
           </a:p>
           <a:p>
             <a:pPr algn="l"/>
-            <a:r>
-              <a:rPr lang="ja-JP" altLang="en-US" dirty="0" smtClean="0">
-                <a:latin typeface="小塚ゴシック Std H" panose="020B0800000000000000" pitchFamily="34" charset="-128"/>
-                <a:ea typeface="小塚ゴシック Std H" panose="020B0800000000000000" pitchFamily="34" charset="-128"/>
-              </a:rPr>
-              <a:t>そのルールはこれから紹介。</a:t>
-            </a:r>
             <a:endParaRPr lang="en-US" altLang="ja-JP" dirty="0" smtClean="0">
               <a:latin typeface="小塚ゴシック Std H" panose="020B0800000000000000" pitchFamily="34" charset="-128"/>
               <a:ea typeface="小塚ゴシック Std H" panose="020B0800000000000000" pitchFamily="34" charset="-128"/>
@@ -4246,6 +4259,41 @@
           <a:p>
             <a:pPr algn="l"/>
             <a:r>
+              <a:rPr lang="ja-JP" altLang="en-US" dirty="0">
+                <a:latin typeface="小塚ゴシック Std H" panose="020B0800000000000000" pitchFamily="34" charset="-128"/>
+                <a:ea typeface="小塚ゴシック Std H" panose="020B0800000000000000" pitchFamily="34" charset="-128"/>
+              </a:rPr>
+              <a:t>具体的</a:t>
+            </a:r>
+            <a:r>
+              <a:rPr lang="ja-JP" altLang="en-US" dirty="0" smtClean="0">
+                <a:latin typeface="小塚ゴシック Std H" panose="020B0800000000000000" pitchFamily="34" charset="-128"/>
+                <a:ea typeface="小塚ゴシック Std H" panose="020B0800000000000000" pitchFamily="34" charset="-128"/>
+              </a:rPr>
+              <a:t>な</a:t>
+            </a:r>
+            <a:r>
+              <a:rPr lang="ja-JP" altLang="en-US" dirty="0" smtClean="0">
+                <a:latin typeface="小塚ゴシック Std H" panose="020B0800000000000000" pitchFamily="34" charset="-128"/>
+                <a:ea typeface="小塚ゴシック Std H" panose="020B0800000000000000" pitchFamily="34" charset="-128"/>
+              </a:rPr>
+              <a:t>ルール</a:t>
+            </a:r>
+            <a:r>
+              <a:rPr lang="ja-JP" altLang="en-US" dirty="0" smtClean="0">
+                <a:latin typeface="小塚ゴシック Std H" panose="020B0800000000000000" pitchFamily="34" charset="-128"/>
+                <a:ea typeface="小塚ゴシック Std H" panose="020B0800000000000000" pitchFamily="34" charset="-128"/>
+              </a:rPr>
+              <a:t>はこれから紹介。</a:t>
+            </a:r>
+            <a:endParaRPr lang="en-US" altLang="ja-JP" dirty="0" smtClean="0">
+              <a:latin typeface="小塚ゴシック Std H" panose="020B0800000000000000" pitchFamily="34" charset="-128"/>
+              <a:ea typeface="小塚ゴシック Std H" panose="020B0800000000000000" pitchFamily="34" charset="-128"/>
+            </a:endParaRPr>
+          </a:p>
+          <a:p>
+            <a:pPr algn="l"/>
+            <a:r>
               <a:rPr lang="ja-JP" altLang="en-US" dirty="0" smtClean="0">
                 <a:latin typeface="小塚ゴシック Std H" panose="020B0800000000000000" pitchFamily="34" charset="-128"/>
                 <a:ea typeface="小塚ゴシック Std H" panose="020B0800000000000000" pitchFamily="34" charset="-128"/>
@@ -4285,25 +4333,15 @@
                 <a:latin typeface="小塚ゴシック Std H" panose="020B0800000000000000" pitchFamily="34" charset="-128"/>
                 <a:ea typeface="小塚ゴシック Std H" panose="020B0800000000000000" pitchFamily="34" charset="-128"/>
               </a:rPr>
-              <a:t>・攻撃の方法</a:t>
-            </a:r>
-            <a:endParaRPr lang="en-US" altLang="ja-JP" dirty="0">
-              <a:latin typeface="小塚ゴシック Std H" panose="020B0800000000000000" pitchFamily="34" charset="-128"/>
-              <a:ea typeface="小塚ゴシック Std H" panose="020B0800000000000000" pitchFamily="34" charset="-128"/>
-            </a:endParaRPr>
-          </a:p>
-          <a:p>
-            <a:pPr algn="l"/>
-            <a:r>
-              <a:rPr lang="ja-JP" altLang="en-US" dirty="0">
-                <a:latin typeface="小塚ゴシック Std H" panose="020B0800000000000000" pitchFamily="34" charset="-128"/>
-                <a:ea typeface="小塚ゴシック Std H" panose="020B0800000000000000" pitchFamily="34" charset="-128"/>
-              </a:rPr>
-              <a:t>・回避の方法</a:t>
-            </a:r>
-          </a:p>
-          <a:p>
-            <a:pPr algn="l"/>
+              <a:t>・攻撃の</a:t>
+            </a:r>
+            <a:r>
+              <a:rPr lang="ja-JP" altLang="en-US" dirty="0" smtClean="0">
+                <a:latin typeface="小塚ゴシック Std H" panose="020B0800000000000000" pitchFamily="34" charset="-128"/>
+                <a:ea typeface="小塚ゴシック Std H" panose="020B0800000000000000" pitchFamily="34" charset="-128"/>
+              </a:rPr>
+              <a:t>方法</a:t>
+            </a:r>
             <a:endParaRPr lang="ja-JP" altLang="en-US" dirty="0">
               <a:latin typeface="小塚ゴシック Std H" panose="020B0800000000000000" pitchFamily="34" charset="-128"/>
               <a:ea typeface="小塚ゴシック Std H" panose="020B0800000000000000" pitchFamily="34" charset="-128"/>
@@ -4405,7 +4443,7 @@
         <p:spPr>
           <a:xfrm>
             <a:off x="350520" y="2165123"/>
-            <a:ext cx="6858000" cy="2163037"/>
+            <a:ext cx="8315808" cy="4290268"/>
           </a:xfrm>
         </p:spPr>
         <p:txBody>
@@ -4416,37 +4454,41 @@
           <a:p>
             <a:pPr algn="l"/>
             <a:r>
-              <a:rPr lang="ja-JP" altLang="en-US" dirty="0">
-                <a:latin typeface="小塚ゴシック Std H" panose="020B0800000000000000" pitchFamily="34" charset="-128"/>
-                <a:ea typeface="小塚ゴシック Std H" panose="020B0800000000000000" pitchFamily="34" charset="-128"/>
-              </a:rPr>
-              <a:t>移動手段には</a:t>
-            </a:r>
-            <a:r>
-              <a:rPr lang="ja-JP" altLang="en-US" dirty="0">
-                <a:solidFill>
-                  <a:srgbClr val="FF0000"/>
-                </a:solidFill>
-                <a:latin typeface="小塚ゴシック Std H" panose="020B0800000000000000" pitchFamily="34" charset="-128"/>
-                <a:ea typeface="小塚ゴシック Std H" panose="020B0800000000000000" pitchFamily="34" charset="-128"/>
-              </a:rPr>
-              <a:t>反重力移動</a:t>
-            </a:r>
-            <a:r>
-              <a:rPr lang="ja-JP" altLang="en-US" dirty="0">
-                <a:latin typeface="小塚ゴシック Std H" panose="020B0800000000000000" pitchFamily="34" charset="-128"/>
-                <a:ea typeface="小塚ゴシック Std H" panose="020B0800000000000000" pitchFamily="34" charset="-128"/>
-              </a:rPr>
-              <a:t>を用いる</a:t>
-            </a:r>
-            <a:r>
-              <a:rPr lang="ja-JP" altLang="en-US" dirty="0" smtClean="0">
-                <a:latin typeface="小塚ゴシック Std H" panose="020B0800000000000000" pitchFamily="34" charset="-128"/>
-                <a:ea typeface="小塚ゴシック Std H" panose="020B0800000000000000" pitchFamily="34" charset="-128"/>
-              </a:rPr>
-              <a:t>。</a:t>
-            </a:r>
-            <a:endParaRPr lang="en-US" altLang="ja-JP" dirty="0">
+              <a:rPr lang="ja-JP" altLang="en-US" sz="3200" dirty="0" smtClean="0">
+                <a:latin typeface="小塚ゴシック Std H" panose="020B0800000000000000" pitchFamily="34" charset="-128"/>
+                <a:ea typeface="小塚ゴシック Std H" panose="020B0800000000000000" pitchFamily="34" charset="-128"/>
+              </a:rPr>
+              <a:t>基本：</a:t>
+            </a:r>
+            <a:r>
+              <a:rPr lang="ja-JP" altLang="en-US" sz="3200" dirty="0">
+                <a:latin typeface="小塚ゴシック Std H" panose="020B0800000000000000" pitchFamily="34" charset="-128"/>
+                <a:ea typeface="小塚ゴシック Std H" panose="020B0800000000000000" pitchFamily="34" charset="-128"/>
+              </a:rPr>
+              <a:t>敵機</a:t>
+            </a:r>
+            <a:r>
+              <a:rPr lang="ja-JP" altLang="en-US" sz="3200" dirty="0" smtClean="0">
+                <a:latin typeface="小塚ゴシック Std H" panose="020B0800000000000000" pitchFamily="34" charset="-128"/>
+                <a:ea typeface="小塚ゴシック Std H" panose="020B0800000000000000" pitchFamily="34" charset="-128"/>
+              </a:rPr>
+              <a:t>に</a:t>
+            </a:r>
+            <a:r>
+              <a:rPr lang="ja-JP" altLang="en-US" sz="3200" dirty="0">
+                <a:latin typeface="小塚ゴシック Std H" panose="020B0800000000000000" pitchFamily="34" charset="-128"/>
+                <a:ea typeface="小塚ゴシック Std H" panose="020B0800000000000000" pitchFamily="34" charset="-128"/>
+              </a:rPr>
+              <a:t>対して垂直に</a:t>
+            </a:r>
+            <a:r>
+              <a:rPr lang="ja-JP" altLang="en-US" sz="3200" dirty="0" smtClean="0">
+                <a:latin typeface="小塚ゴシック Std H" panose="020B0800000000000000" pitchFamily="34" charset="-128"/>
+                <a:ea typeface="小塚ゴシック Std H" panose="020B0800000000000000" pitchFamily="34" charset="-128"/>
+              </a:rPr>
+              <a:t>移動。</a:t>
+            </a:r>
+            <a:endParaRPr lang="en-US" altLang="ja-JP" sz="3200" dirty="0">
               <a:latin typeface="小塚ゴシック Std H" panose="020B0800000000000000" pitchFamily="34" charset="-128"/>
               <a:ea typeface="小塚ゴシック Std H" panose="020B0800000000000000" pitchFamily="34" charset="-128"/>
             </a:endParaRPr>
@@ -4461,18 +4503,39 @@
           <a:p>
             <a:pPr algn="l"/>
             <a:r>
-              <a:rPr lang="en-US" altLang="ja-JP" dirty="0" smtClean="0">
-                <a:latin typeface="小塚ゴシック Std H" panose="020B0800000000000000" pitchFamily="34" charset="-128"/>
-                <a:ea typeface="小塚ゴシック Std H" panose="020B0800000000000000" pitchFamily="34" charset="-128"/>
-              </a:rPr>
-              <a:t>What’s </a:t>
-            </a:r>
-            <a:r>
-              <a:rPr lang="ja-JP" altLang="en-US" dirty="0" smtClean="0">
-                <a:latin typeface="小塚ゴシック Std H" panose="020B0800000000000000" pitchFamily="34" charset="-128"/>
-                <a:ea typeface="小塚ゴシック Std H" panose="020B0800000000000000" pitchFamily="34" charset="-128"/>
-              </a:rPr>
-              <a:t>反重力移動？</a:t>
+              <a:rPr lang="ja-JP" altLang="en-US" sz="2800" dirty="0">
+                <a:latin typeface="小塚ゴシック Std H" panose="020B0800000000000000" pitchFamily="34" charset="-128"/>
+                <a:ea typeface="小塚ゴシック Std H" panose="020B0800000000000000" pitchFamily="34" charset="-128"/>
+              </a:rPr>
+              <a:t>機体</a:t>
+            </a:r>
+            <a:r>
+              <a:rPr lang="ja-JP" altLang="en-US" sz="2800" dirty="0" smtClean="0">
+                <a:latin typeface="小塚ゴシック Std H" panose="020B0800000000000000" pitchFamily="34" charset="-128"/>
+                <a:ea typeface="小塚ゴシック Std H" panose="020B0800000000000000" pitchFamily="34" charset="-128"/>
+              </a:rPr>
+              <a:t>に</a:t>
+            </a:r>
+            <a:r>
+              <a:rPr lang="ja-JP" altLang="en-US" sz="2800" dirty="0" smtClean="0">
+                <a:latin typeface="小塚ゴシック Std H" panose="020B0800000000000000" pitchFamily="34" charset="-128"/>
+                <a:ea typeface="小塚ゴシック Std H" panose="020B0800000000000000" pitchFamily="34" charset="-128"/>
+              </a:rPr>
+              <a:t>よる違い</a:t>
+            </a:r>
+            <a:endParaRPr lang="en-US" altLang="ja-JP" sz="2800" dirty="0" smtClean="0">
+              <a:latin typeface="小塚ゴシック Std H" panose="020B0800000000000000" pitchFamily="34" charset="-128"/>
+              <a:ea typeface="小塚ゴシック Std H" panose="020B0800000000000000" pitchFamily="34" charset="-128"/>
+            </a:endParaRPr>
+          </a:p>
+          <a:p>
+            <a:pPr algn="l"/>
+            <a:r>
+              <a:rPr lang="ja-JP" altLang="en-US" dirty="0" smtClean="0">
+                <a:latin typeface="小塚ゴシック Std H" panose="020B0800000000000000" pitchFamily="34" charset="-128"/>
+                <a:ea typeface="小塚ゴシック Std H" panose="020B0800000000000000" pitchFamily="34" charset="-128"/>
+              </a:rPr>
+              <a:t>リーダー機</a:t>
             </a:r>
             <a:endParaRPr lang="en-US" altLang="ja-JP" dirty="0" smtClean="0">
               <a:latin typeface="小塚ゴシック Std H" panose="020B0800000000000000" pitchFamily="34" charset="-128"/>
@@ -4480,312 +4543,253 @@
             </a:endParaRPr>
           </a:p>
           <a:p>
-            <a:pPr algn="l"/>
-            <a:r>
-              <a:rPr lang="ja-JP" altLang="en-US" sz="2000" dirty="0">
-                <a:latin typeface="小塚ゴシック Std H" panose="020B0800000000000000" pitchFamily="34" charset="-128"/>
-                <a:ea typeface="小塚ゴシック Std H" panose="020B0800000000000000" pitchFamily="34" charset="-128"/>
-              </a:rPr>
-              <a:t>フィールド</a:t>
-            </a:r>
-            <a:r>
-              <a:rPr lang="ja-JP" altLang="en-US" sz="2000" dirty="0" smtClean="0">
-                <a:latin typeface="小塚ゴシック Std H" panose="020B0800000000000000" pitchFamily="34" charset="-128"/>
-                <a:ea typeface="小塚ゴシック Std H" panose="020B0800000000000000" pitchFamily="34" charset="-128"/>
-              </a:rPr>
-              <a:t>に</a:t>
-            </a:r>
-            <a:r>
-              <a:rPr lang="ja-JP" altLang="en-US" sz="2000" dirty="0" smtClean="0">
+            <a:pPr lvl="1" algn="l"/>
+            <a:r>
+              <a:rPr lang="ja-JP" altLang="en-US" dirty="0" smtClean="0">
+                <a:latin typeface="小塚ゴシック Std H" panose="020B0800000000000000" pitchFamily="34" charset="-128"/>
+                <a:ea typeface="小塚ゴシック Std H" panose="020B0800000000000000" pitchFamily="34" charset="-128"/>
+              </a:rPr>
+              <a:t>敵に対し更に</a:t>
+            </a:r>
+            <a:r>
+              <a:rPr lang="en-US" altLang="ja-JP" dirty="0" smtClean="0">
                 <a:solidFill>
                   <a:srgbClr val="FF0000"/>
                 </a:solidFill>
                 <a:latin typeface="小塚ゴシック Std H" panose="020B0800000000000000" pitchFamily="34" charset="-128"/>
                 <a:ea typeface="小塚ゴシック Std H" panose="020B0800000000000000" pitchFamily="34" charset="-128"/>
               </a:rPr>
-              <a:t>重力点</a:t>
-            </a:r>
-            <a:r>
-              <a:rPr lang="ja-JP" altLang="en-US" sz="2000" dirty="0" smtClean="0">
-                <a:latin typeface="小塚ゴシック Std H" panose="020B0800000000000000" pitchFamily="34" charset="-128"/>
-                <a:ea typeface="小塚ゴシック Std H" panose="020B0800000000000000" pitchFamily="34" charset="-128"/>
-              </a:rPr>
-              <a:t>を置き、そこから</a:t>
-            </a:r>
-            <a:r>
-              <a:rPr lang="ja-JP" altLang="en-US" sz="2000" dirty="0" smtClean="0">
+              <a:t>(</a:t>
+            </a:r>
+            <a:r>
+              <a:rPr lang="ja-JP" altLang="en-US" dirty="0" smtClean="0">
                 <a:solidFill>
                   <a:srgbClr val="FF0000"/>
                 </a:solidFill>
                 <a:latin typeface="小塚ゴシック Std H" panose="020B0800000000000000" pitchFamily="34" charset="-128"/>
                 <a:ea typeface="小塚ゴシック Std H" panose="020B0800000000000000" pitchFamily="34" charset="-128"/>
               </a:rPr>
-              <a:t>斥力</a:t>
-            </a:r>
-            <a:r>
-              <a:rPr lang="ja-JP" altLang="en-US" sz="2000" dirty="0" smtClean="0">
-                <a:latin typeface="小塚ゴシック Std H" panose="020B0800000000000000" pitchFamily="34" charset="-128"/>
-                <a:ea typeface="小塚ゴシック Std H" panose="020B0800000000000000" pitchFamily="34" charset="-128"/>
-              </a:rPr>
-              <a:t>を受けているかのように動く移動方法。</a:t>
-            </a:r>
-            <a:endParaRPr lang="en-US" altLang="ja-JP" sz="2000" dirty="0" smtClean="0">
+              <a:t>敵との距離</a:t>
+            </a:r>
+            <a:r>
+              <a:rPr lang="en-US" altLang="ja-JP" dirty="0" smtClean="0">
+                <a:solidFill>
+                  <a:srgbClr val="FF0000"/>
+                </a:solidFill>
+                <a:latin typeface="小塚ゴシック Std H" panose="020B0800000000000000" pitchFamily="34" charset="-128"/>
+                <a:ea typeface="小塚ゴシック Std H" panose="020B0800000000000000" pitchFamily="34" charset="-128"/>
+              </a:rPr>
+              <a:t>)</a:t>
+            </a:r>
+            <a:r>
+              <a:rPr lang="en-US" altLang="ja-JP" baseline="30000" dirty="0" smtClean="0">
+                <a:solidFill>
+                  <a:srgbClr val="FF0000"/>
+                </a:solidFill>
+                <a:latin typeface="小塚ゴシック Std H" panose="020B0800000000000000" pitchFamily="34" charset="-128"/>
+                <a:ea typeface="小塚ゴシック Std H" panose="020B0800000000000000" pitchFamily="34" charset="-128"/>
+              </a:rPr>
+              <a:t>-1</a:t>
+            </a:r>
+            <a:r>
+              <a:rPr lang="ja-JP" altLang="en-US" sz="1400" dirty="0" smtClean="0">
+                <a:solidFill>
+                  <a:srgbClr val="FF0000"/>
+                </a:solidFill>
+                <a:latin typeface="小塚ゴシック Std H" panose="020B0800000000000000" pitchFamily="34" charset="-128"/>
+                <a:ea typeface="小塚ゴシック Std H" panose="020B0800000000000000" pitchFamily="34" charset="-128"/>
+              </a:rPr>
+              <a:t>ラジアン</a:t>
+            </a:r>
+            <a:r>
+              <a:rPr lang="ja-JP" altLang="en-US" dirty="0" smtClean="0">
+                <a:solidFill>
+                  <a:srgbClr val="FF0000"/>
+                </a:solidFill>
+                <a:latin typeface="小塚ゴシック Std H" panose="020B0800000000000000" pitchFamily="34" charset="-128"/>
+                <a:ea typeface="小塚ゴシック Std H" panose="020B0800000000000000" pitchFamily="34" charset="-128"/>
+              </a:rPr>
+              <a:t>離れる</a:t>
+            </a:r>
+            <a:endParaRPr lang="ja-JP" altLang="en-US" dirty="0">
               <a:latin typeface="小塚ゴシック Std H" panose="020B0800000000000000" pitchFamily="34" charset="-128"/>
               <a:ea typeface="小塚ゴシック Std H" panose="020B0800000000000000" pitchFamily="34" charset="-128"/>
             </a:endParaRPr>
           </a:p>
-        </p:txBody>
-      </p:sp>
-      <p:sp>
-        <p:nvSpPr>
-          <p:cNvPr id="4" name="テキスト ボックス 3"/>
-          <p:cNvSpPr txBox="1"/>
+          <a:p>
+            <a:pPr algn="l"/>
+            <a:r>
+              <a:rPr lang="ja-JP" altLang="en-US" dirty="0">
+                <a:latin typeface="小塚ゴシック Std H" panose="020B0800000000000000" pitchFamily="34" charset="-128"/>
+                <a:ea typeface="小塚ゴシック Std H" panose="020B0800000000000000" pitchFamily="34" charset="-128"/>
+              </a:rPr>
+              <a:t>一般機</a:t>
+            </a:r>
+            <a:r>
+              <a:rPr lang="en-US" altLang="ja-JP" dirty="0" smtClean="0">
+                <a:latin typeface="小塚ゴシック Std H" panose="020B0800000000000000" pitchFamily="34" charset="-128"/>
+                <a:ea typeface="小塚ゴシック Std H" panose="020B0800000000000000" pitchFamily="34" charset="-128"/>
+              </a:rPr>
+              <a:t>1</a:t>
+            </a:r>
+          </a:p>
+          <a:p>
+            <a:pPr lvl="1" algn="l"/>
+            <a:r>
+              <a:rPr lang="ja-JP" altLang="en-US" dirty="0" smtClean="0">
+                <a:latin typeface="小塚ゴシック Std H" panose="020B0800000000000000" pitchFamily="34" charset="-128"/>
+                <a:ea typeface="小塚ゴシック Std H" panose="020B0800000000000000" pitchFamily="34" charset="-128"/>
+              </a:rPr>
+              <a:t>敵に対し</a:t>
+            </a:r>
+            <a:r>
+              <a:rPr lang="ja-JP" altLang="en-US" dirty="0" smtClean="0">
+                <a:solidFill>
+                  <a:srgbClr val="FF0000"/>
+                </a:solidFill>
+                <a:latin typeface="小塚ゴシック Std H" panose="020B0800000000000000" pitchFamily="34" charset="-128"/>
+                <a:ea typeface="小塚ゴシック Std H" panose="020B0800000000000000" pitchFamily="34" charset="-128"/>
+              </a:rPr>
+              <a:t>垂直のまま</a:t>
+            </a:r>
+            <a:endParaRPr lang="ja-JP" altLang="en-US" dirty="0">
+              <a:solidFill>
+                <a:srgbClr val="FF0000"/>
+              </a:solidFill>
+              <a:latin typeface="小塚ゴシック Std H" panose="020B0800000000000000" pitchFamily="34" charset="-128"/>
+              <a:ea typeface="小塚ゴシック Std H" panose="020B0800000000000000" pitchFamily="34" charset="-128"/>
+            </a:endParaRPr>
+          </a:p>
+          <a:p>
+            <a:pPr algn="l"/>
+            <a:r>
+              <a:rPr lang="ja-JP" altLang="en-US" dirty="0">
+                <a:latin typeface="小塚ゴシック Std H" panose="020B0800000000000000" pitchFamily="34" charset="-128"/>
+                <a:ea typeface="小塚ゴシック Std H" panose="020B0800000000000000" pitchFamily="34" charset="-128"/>
+              </a:rPr>
+              <a:t>一般機</a:t>
+            </a:r>
+            <a:r>
+              <a:rPr lang="en-US" altLang="ja-JP" dirty="0" smtClean="0">
+                <a:latin typeface="小塚ゴシック Std H" panose="020B0800000000000000" pitchFamily="34" charset="-128"/>
+                <a:ea typeface="小塚ゴシック Std H" panose="020B0800000000000000" pitchFamily="34" charset="-128"/>
+              </a:rPr>
+              <a:t>2</a:t>
+            </a:r>
+          </a:p>
+          <a:p>
+            <a:pPr lvl="1" algn="l"/>
+            <a:r>
+              <a:rPr lang="ja-JP" altLang="en-US" dirty="0" smtClean="0">
+                <a:latin typeface="小塚ゴシック Std H" panose="020B0800000000000000" pitchFamily="34" charset="-128"/>
+                <a:ea typeface="小塚ゴシック Std H" panose="020B0800000000000000" pitchFamily="34" charset="-128"/>
+              </a:rPr>
+              <a:t>敵</a:t>
+            </a:r>
+            <a:r>
+              <a:rPr lang="ja-JP" altLang="en-US" dirty="0">
+                <a:latin typeface="小塚ゴシック Std H" panose="020B0800000000000000" pitchFamily="34" charset="-128"/>
+                <a:ea typeface="小塚ゴシック Std H" panose="020B0800000000000000" pitchFamily="34" charset="-128"/>
+              </a:rPr>
+              <a:t>に対し更に</a:t>
+            </a:r>
+            <a:r>
+              <a:rPr lang="en-US" altLang="ja-JP" dirty="0">
+                <a:solidFill>
+                  <a:srgbClr val="FF0000"/>
+                </a:solidFill>
+                <a:latin typeface="小塚ゴシック Std H" panose="020B0800000000000000" pitchFamily="34" charset="-128"/>
+                <a:ea typeface="小塚ゴシック Std H" panose="020B0800000000000000" pitchFamily="34" charset="-128"/>
+              </a:rPr>
+              <a:t>(</a:t>
+            </a:r>
+            <a:r>
+              <a:rPr lang="ja-JP" altLang="en-US" dirty="0">
+                <a:solidFill>
+                  <a:srgbClr val="FF0000"/>
+                </a:solidFill>
+                <a:latin typeface="小塚ゴシック Std H" panose="020B0800000000000000" pitchFamily="34" charset="-128"/>
+                <a:ea typeface="小塚ゴシック Std H" panose="020B0800000000000000" pitchFamily="34" charset="-128"/>
+              </a:rPr>
+              <a:t>敵との距離</a:t>
+            </a:r>
+            <a:r>
+              <a:rPr lang="en-US" altLang="ja-JP" dirty="0">
+                <a:solidFill>
+                  <a:srgbClr val="FF0000"/>
+                </a:solidFill>
+                <a:latin typeface="小塚ゴシック Std H" panose="020B0800000000000000" pitchFamily="34" charset="-128"/>
+                <a:ea typeface="小塚ゴシック Std H" panose="020B0800000000000000" pitchFamily="34" charset="-128"/>
+              </a:rPr>
+              <a:t>)</a:t>
+            </a:r>
+            <a:r>
+              <a:rPr lang="en-US" altLang="ja-JP" baseline="30000" dirty="0">
+                <a:solidFill>
+                  <a:srgbClr val="FF0000"/>
+                </a:solidFill>
+                <a:latin typeface="小塚ゴシック Std H" panose="020B0800000000000000" pitchFamily="34" charset="-128"/>
+                <a:ea typeface="小塚ゴシック Std H" panose="020B0800000000000000" pitchFamily="34" charset="-128"/>
+              </a:rPr>
+              <a:t>-1</a:t>
+            </a:r>
+            <a:r>
+              <a:rPr lang="ja-JP" altLang="en-US" sz="1400" dirty="0" smtClean="0">
+                <a:solidFill>
+                  <a:srgbClr val="FF0000"/>
+                </a:solidFill>
+                <a:latin typeface="小塚ゴシック Std H" panose="020B0800000000000000" pitchFamily="34" charset="-128"/>
+                <a:ea typeface="小塚ゴシック Std H" panose="020B0800000000000000" pitchFamily="34" charset="-128"/>
+              </a:rPr>
+              <a:t>ラジアン</a:t>
+            </a:r>
+            <a:r>
+              <a:rPr lang="ja-JP" altLang="en-US" dirty="0" smtClean="0">
+                <a:solidFill>
+                  <a:srgbClr val="FF0000"/>
+                </a:solidFill>
+                <a:latin typeface="小塚ゴシック Std H" panose="020B0800000000000000" pitchFamily="34" charset="-128"/>
+                <a:ea typeface="小塚ゴシック Std H" panose="020B0800000000000000" pitchFamily="34" charset="-128"/>
+              </a:rPr>
+              <a:t>近づく</a:t>
+            </a:r>
+            <a:endParaRPr lang="en-US" altLang="ja-JP" dirty="0">
+              <a:latin typeface="小塚ゴシック Std H" panose="020B0800000000000000" pitchFamily="34" charset="-128"/>
+              <a:ea typeface="小塚ゴシック Std H" panose="020B0800000000000000" pitchFamily="34" charset="-128"/>
+            </a:endParaRPr>
+          </a:p>
+        </p:txBody>
+      </p:sp>
+      <p:pic>
+        <p:nvPicPr>
+          <p:cNvPr id="8" name="図 7"/>
+          <p:cNvPicPr>
+            <a:picLocks noChangeAspect="1"/>
+          </p:cNvPicPr>
           <p:nvPr/>
-        </p:nvSpPr>
+        </p:nvPicPr>
+        <p:blipFill>
+          <a:blip r:embed="rId3">
+            <a:extLst>
+              <a:ext uri="{28A0092B-C50C-407E-A947-70E740481C1C}">
+                <a14:useLocalDpi xmlns:a14="http://schemas.microsoft.com/office/drawing/2010/main" val="0"/>
+              </a:ext>
+            </a:extLst>
+          </a:blip>
+          <a:stretch>
+            <a:fillRect/>
+          </a:stretch>
+        </p:blipFill>
         <p:spPr>
           <a:xfrm>
-            <a:off x="461554" y="4328160"/>
-            <a:ext cx="6212975" cy="1471511"/>
+            <a:off x="4502786" y="2649582"/>
+            <a:ext cx="4264025" cy="2923903"/>
           </a:xfrm>
           <a:prstGeom prst="rect">
             <a:avLst/>
           </a:prstGeom>
-          <a:ln w="31750" cap="rnd" cmpd="sng">
-            <a:prstDash val="sysDot"/>
-            <a:round/>
-          </a:ln>
         </p:spPr>
-        <p:style>
-          <a:lnRef idx="2">
-            <a:schemeClr val="dk1"/>
-          </a:lnRef>
-          <a:fillRef idx="1">
-            <a:schemeClr val="lt1"/>
-          </a:fillRef>
-          <a:effectRef idx="0">
-            <a:schemeClr val="dk1"/>
-          </a:effectRef>
-          <a:fontRef idx="minor">
-            <a:schemeClr val="dk1"/>
-          </a:fontRef>
-        </p:style>
-        <p:txBody>
-          <a:bodyPr wrap="none" lIns="288000" tIns="180000" rIns="288000" bIns="180000" rtlCol="0">
-            <a:spAutoFit/>
-          </a:bodyPr>
-          <a:lstStyle/>
-          <a:p>
-            <a:r>
-              <a:rPr lang="en-US" altLang="ja-JP" dirty="0">
-                <a:latin typeface="小塚ゴシック Std H" panose="020B0800000000000000" pitchFamily="34" charset="-128"/>
-                <a:ea typeface="小塚ゴシック Std H" panose="020B0800000000000000" pitchFamily="34" charset="-128"/>
-              </a:rPr>
-              <a:t>Step1.	</a:t>
-            </a:r>
-            <a:r>
-              <a:rPr lang="ja-JP" altLang="en-US" dirty="0">
-                <a:latin typeface="小塚ゴシック Std H" panose="020B0800000000000000" pitchFamily="34" charset="-128"/>
-                <a:ea typeface="小塚ゴシック Std H" panose="020B0800000000000000" pitchFamily="34" charset="-128"/>
-              </a:rPr>
-              <a:t>敵、味方、壁などとの</a:t>
-            </a:r>
-            <a:r>
-              <a:rPr lang="ja-JP" altLang="en-US" dirty="0">
-                <a:solidFill>
-                  <a:srgbClr val="FF0000"/>
-                </a:solidFill>
-                <a:latin typeface="小塚ゴシック Std H" panose="020B0800000000000000" pitchFamily="34" charset="-128"/>
-                <a:ea typeface="小塚ゴシック Std H" panose="020B0800000000000000" pitchFamily="34" charset="-128"/>
-              </a:rPr>
-              <a:t>位置関係を導出</a:t>
-            </a:r>
-            <a:r>
-              <a:rPr lang="ja-JP" altLang="en-US" dirty="0">
-                <a:latin typeface="小塚ゴシック Std H" panose="020B0800000000000000" pitchFamily="34" charset="-128"/>
-                <a:ea typeface="小塚ゴシック Std H" panose="020B0800000000000000" pitchFamily="34" charset="-128"/>
-              </a:rPr>
-              <a:t>。</a:t>
-            </a:r>
-            <a:endParaRPr lang="en-US" altLang="ja-JP" dirty="0">
-              <a:latin typeface="小塚ゴシック Std H" panose="020B0800000000000000" pitchFamily="34" charset="-128"/>
-              <a:ea typeface="小塚ゴシック Std H" panose="020B0800000000000000" pitchFamily="34" charset="-128"/>
-            </a:endParaRPr>
-          </a:p>
-          <a:p>
-            <a:r>
-              <a:rPr lang="en-US" altLang="ja-JP" dirty="0">
-                <a:latin typeface="小塚ゴシック Std H" panose="020B0800000000000000" pitchFamily="34" charset="-128"/>
-                <a:ea typeface="小塚ゴシック Std H" panose="020B0800000000000000" pitchFamily="34" charset="-128"/>
-              </a:rPr>
-              <a:t>Step2.	</a:t>
-            </a:r>
-            <a:r>
-              <a:rPr lang="ja-JP" altLang="en-US" dirty="0">
-                <a:latin typeface="小塚ゴシック Std H" panose="020B0800000000000000" pitchFamily="34" charset="-128"/>
-                <a:ea typeface="小塚ゴシック Std H" panose="020B0800000000000000" pitchFamily="34" charset="-128"/>
-              </a:rPr>
-              <a:t>そこから受ける</a:t>
-            </a:r>
-            <a:r>
-              <a:rPr lang="ja-JP" altLang="en-US" dirty="0">
-                <a:solidFill>
-                  <a:srgbClr val="FF0000"/>
-                </a:solidFill>
-                <a:latin typeface="小塚ゴシック Std H" panose="020B0800000000000000" pitchFamily="34" charset="-128"/>
-                <a:ea typeface="小塚ゴシック Std H" panose="020B0800000000000000" pitchFamily="34" charset="-128"/>
-              </a:rPr>
-              <a:t>斥力を合計</a:t>
-            </a:r>
-            <a:r>
-              <a:rPr lang="ja-JP" altLang="en-US" dirty="0">
-                <a:latin typeface="小塚ゴシック Std H" panose="020B0800000000000000" pitchFamily="34" charset="-128"/>
-                <a:ea typeface="小塚ゴシック Std H" panose="020B0800000000000000" pitchFamily="34" charset="-128"/>
-              </a:rPr>
-              <a:t>する。</a:t>
-            </a:r>
-            <a:endParaRPr lang="en-US" altLang="ja-JP" dirty="0">
-              <a:latin typeface="小塚ゴシック Std H" panose="020B0800000000000000" pitchFamily="34" charset="-128"/>
-              <a:ea typeface="小塚ゴシック Std H" panose="020B0800000000000000" pitchFamily="34" charset="-128"/>
-            </a:endParaRPr>
-          </a:p>
-          <a:p>
-            <a:r>
-              <a:rPr lang="en-US" altLang="ja-JP" dirty="0">
-                <a:latin typeface="小塚ゴシック Std H" panose="020B0800000000000000" pitchFamily="34" charset="-128"/>
-                <a:ea typeface="小塚ゴシック Std H" panose="020B0800000000000000" pitchFamily="34" charset="-128"/>
-              </a:rPr>
-              <a:t>	(</a:t>
-            </a:r>
-            <a:r>
-              <a:rPr lang="ja-JP" altLang="en-US" dirty="0">
-                <a:latin typeface="小塚ゴシック Std H" panose="020B0800000000000000" pitchFamily="34" charset="-128"/>
-                <a:ea typeface="小塚ゴシック Std H" panose="020B0800000000000000" pitchFamily="34" charset="-128"/>
-              </a:rPr>
-              <a:t>重力定数は予め決めておく</a:t>
-            </a:r>
-            <a:r>
-              <a:rPr lang="en-US" altLang="ja-JP" dirty="0">
-                <a:latin typeface="小塚ゴシック Std H" panose="020B0800000000000000" pitchFamily="34" charset="-128"/>
-                <a:ea typeface="小塚ゴシック Std H" panose="020B0800000000000000" pitchFamily="34" charset="-128"/>
-              </a:rPr>
-              <a:t>)</a:t>
-            </a:r>
-          </a:p>
-          <a:p>
-            <a:r>
-              <a:rPr lang="en-US" altLang="ja-JP" dirty="0">
-                <a:latin typeface="小塚ゴシック Std H" panose="020B0800000000000000" pitchFamily="34" charset="-128"/>
-                <a:ea typeface="小塚ゴシック Std H" panose="020B0800000000000000" pitchFamily="34" charset="-128"/>
-              </a:rPr>
-              <a:t>Step3.	</a:t>
-            </a:r>
-            <a:r>
-              <a:rPr lang="ja-JP" altLang="en-US" dirty="0">
-                <a:solidFill>
-                  <a:srgbClr val="FF0000"/>
-                </a:solidFill>
-                <a:latin typeface="小塚ゴシック Std H" panose="020B0800000000000000" pitchFamily="34" charset="-128"/>
-                <a:ea typeface="小塚ゴシック Std H" panose="020B0800000000000000" pitchFamily="34" charset="-128"/>
-              </a:rPr>
-              <a:t>斥力</a:t>
-            </a:r>
-            <a:r>
-              <a:rPr lang="en-US" altLang="ja-JP" dirty="0">
-                <a:solidFill>
-                  <a:srgbClr val="FF0000"/>
-                </a:solidFill>
-                <a:latin typeface="小塚ゴシック Std H" panose="020B0800000000000000" pitchFamily="34" charset="-128"/>
-                <a:ea typeface="小塚ゴシック Std H" panose="020B0800000000000000" pitchFamily="34" charset="-128"/>
-              </a:rPr>
-              <a:t>=</a:t>
-            </a:r>
-            <a:r>
-              <a:rPr lang="ja-JP" altLang="en-US" dirty="0">
-                <a:solidFill>
-                  <a:srgbClr val="FF0000"/>
-                </a:solidFill>
-                <a:latin typeface="小塚ゴシック Std H" panose="020B0800000000000000" pitchFamily="34" charset="-128"/>
-                <a:ea typeface="小塚ゴシック Std H" panose="020B0800000000000000" pitchFamily="34" charset="-128"/>
-              </a:rPr>
-              <a:t>移動する向き</a:t>
-            </a:r>
-            <a:r>
-              <a:rPr lang="en-US" altLang="ja-JP" dirty="0">
-                <a:solidFill>
-                  <a:srgbClr val="FF0000"/>
-                </a:solidFill>
-                <a:latin typeface="小塚ゴシック Std H" panose="020B0800000000000000" pitchFamily="34" charset="-128"/>
-                <a:ea typeface="小塚ゴシック Std H" panose="020B0800000000000000" pitchFamily="34" charset="-128"/>
-              </a:rPr>
-              <a:t>&amp;</a:t>
-            </a:r>
-            <a:r>
-              <a:rPr lang="ja-JP" altLang="en-US" dirty="0">
-                <a:solidFill>
-                  <a:srgbClr val="FF0000"/>
-                </a:solidFill>
-                <a:latin typeface="小塚ゴシック Std H" panose="020B0800000000000000" pitchFamily="34" charset="-128"/>
-                <a:ea typeface="小塚ゴシック Std H" panose="020B0800000000000000" pitchFamily="34" charset="-128"/>
-              </a:rPr>
-              <a:t>距離</a:t>
-            </a:r>
-            <a:r>
-              <a:rPr lang="ja-JP" altLang="en-US" dirty="0">
-                <a:latin typeface="小塚ゴシック Std H" panose="020B0800000000000000" pitchFamily="34" charset="-128"/>
-                <a:ea typeface="小塚ゴシック Std H" panose="020B0800000000000000" pitchFamily="34" charset="-128"/>
-              </a:rPr>
-              <a:t>としてロボを移動</a:t>
-            </a:r>
-            <a:r>
-              <a:rPr lang="ja-JP" altLang="en-US" dirty="0" smtClean="0">
-                <a:latin typeface="小塚ゴシック Std H" panose="020B0800000000000000" pitchFamily="34" charset="-128"/>
-                <a:ea typeface="小塚ゴシック Std H" panose="020B0800000000000000" pitchFamily="34" charset="-128"/>
-              </a:rPr>
-              <a:t>。</a:t>
-            </a:r>
-            <a:endParaRPr lang="en-US" altLang="ja-JP" dirty="0">
-              <a:latin typeface="小塚ゴシック Std H" panose="020B0800000000000000" pitchFamily="34" charset="-128"/>
-              <a:ea typeface="小塚ゴシック Std H" panose="020B0800000000000000" pitchFamily="34" charset="-128"/>
-            </a:endParaRPr>
-          </a:p>
-        </p:txBody>
-      </p:sp>
-      <p:cxnSp>
-        <p:nvCxnSpPr>
-          <p:cNvPr id="6" name="直線コネクタ 5"/>
-          <p:cNvCxnSpPr/>
-          <p:nvPr/>
-        </p:nvCxnSpPr>
-        <p:spPr>
-          <a:xfrm>
-            <a:off x="3413760" y="3246641"/>
-            <a:ext cx="3640183" cy="0"/>
-          </a:xfrm>
-          <a:prstGeom prst="line">
-            <a:avLst/>
-          </a:prstGeom>
-          <a:ln w="38100" cap="rnd">
-            <a:solidFill>
-              <a:schemeClr val="tx1"/>
-            </a:solidFill>
-            <a:prstDash val="sysDot"/>
-          </a:ln>
-        </p:spPr>
-        <p:style>
-          <a:lnRef idx="1">
-            <a:schemeClr val="accent1"/>
-          </a:lnRef>
-          <a:fillRef idx="0">
-            <a:schemeClr val="accent1"/>
-          </a:fillRef>
-          <a:effectRef idx="0">
-            <a:schemeClr val="accent1"/>
-          </a:effectRef>
-          <a:fontRef idx="minor">
-            <a:schemeClr val="tx1"/>
-          </a:fontRef>
-        </p:style>
-      </p:cxnSp>
+      </p:pic>
     </p:spTree>
     <p:extLst>
       <p:ext uri="{BB962C8B-B14F-4D97-AF65-F5344CB8AC3E}">
@@ -4854,25 +4858,25 @@
           <a:p>
             <a:pPr algn="l"/>
             <a:r>
+              <a:rPr lang="ja-JP" altLang="en-US" sz="5400" dirty="0">
+                <a:latin typeface="小塚ゴシック Std H" panose="020B0800000000000000" pitchFamily="34" charset="-128"/>
+                <a:ea typeface="小塚ゴシック Std H" panose="020B0800000000000000" pitchFamily="34" charset="-128"/>
+              </a:rPr>
+              <a:t>索敵</a:t>
+            </a:r>
+            <a:r>
               <a:rPr lang="ja-JP" altLang="en-US" sz="5400" dirty="0" smtClean="0">
                 <a:latin typeface="小塚ゴシック Std H" panose="020B0800000000000000" pitchFamily="34" charset="-128"/>
                 <a:ea typeface="小塚ゴシック Std H" panose="020B0800000000000000" pitchFamily="34" charset="-128"/>
               </a:rPr>
-              <a:t>索</a:t>
-            </a:r>
-            <a:r>
-              <a:rPr lang="ja-JP" altLang="en-US" sz="5400" dirty="0">
-                <a:latin typeface="小塚ゴシック Std H" panose="020B0800000000000000" pitchFamily="34" charset="-128"/>
-                <a:ea typeface="小塚ゴシック Std H" panose="020B0800000000000000" pitchFamily="34" charset="-128"/>
-              </a:rPr>
-              <a:t>敵</a:t>
+              <a:t>の</a:t>
             </a:r>
             <a:r>
               <a:rPr lang="ja-JP" altLang="en-US" sz="5400" dirty="0" smtClean="0">
                 <a:latin typeface="小塚ゴシック Std H" panose="020B0800000000000000" pitchFamily="34" charset="-128"/>
                 <a:ea typeface="小塚ゴシック Std H" panose="020B0800000000000000" pitchFamily="34" charset="-128"/>
               </a:rPr>
-              <a:t>の方法</a:t>
+              <a:t>方法</a:t>
             </a:r>
             <a:endParaRPr kumimoji="1" lang="ja-JP" altLang="en-US" sz="5400" dirty="0">
               <a:latin typeface="小塚ゴシック Std H" panose="020B0800000000000000" pitchFamily="34" charset="-128"/>
@@ -4894,217 +4898,258 @@
         <p:spPr>
           <a:xfrm>
             <a:off x="350520" y="2165123"/>
-            <a:ext cx="8575116" cy="4212000"/>
+            <a:ext cx="8315808" cy="4290268"/>
           </a:xfrm>
         </p:spPr>
         <p:txBody>
           <a:bodyPr>
-            <a:noAutofit/>
+            <a:normAutofit/>
           </a:bodyPr>
           <a:lstStyle/>
           <a:p>
-            <a:pPr marL="382270" indent="-382270" algn="l" defTabSz="502412">
-              <a:lnSpc>
-                <a:spcPct val="100000"/>
-              </a:lnSpc>
-              <a:spcBef>
-                <a:spcPts val="600"/>
-              </a:spcBef>
-              <a:defRPr sz="3096"/>
-            </a:pPr>
-            <a:r>
-              <a:rPr lang="ja-JP" altLang="en-US" sz="2000" dirty="0">
-                <a:latin typeface="小塚ゴシック Std H" panose="020B0800000000000000" pitchFamily="34" charset="-128"/>
-                <a:ea typeface="小塚ゴシック Std H" panose="020B0800000000000000" pitchFamily="34" charset="-128"/>
-              </a:rPr>
-              <a:t>以下の</a:t>
-            </a:r>
-            <a:r>
-              <a:rPr lang="en-US" altLang="ja-JP" sz="2000" dirty="0">
-                <a:latin typeface="小塚ゴシック Std H" panose="020B0800000000000000" pitchFamily="34" charset="-128"/>
-                <a:ea typeface="小塚ゴシック Std H" panose="020B0800000000000000" pitchFamily="34" charset="-128"/>
-              </a:rPr>
-              <a:t>2</a:t>
-            </a:r>
-            <a:r>
-              <a:rPr lang="ja-JP" altLang="en-US" sz="2000" dirty="0">
-                <a:latin typeface="小塚ゴシック Std H" panose="020B0800000000000000" pitchFamily="34" charset="-128"/>
-                <a:ea typeface="小塚ゴシック Std H" panose="020B0800000000000000" pitchFamily="34" charset="-128"/>
-              </a:rPr>
-              <a:t>パターンを状況に応じて使い分ける</a:t>
-            </a:r>
-            <a:r>
-              <a:rPr lang="ja-JP" altLang="en-US" sz="2000" dirty="0" smtClean="0">
-                <a:latin typeface="小塚ゴシック Std H" panose="020B0800000000000000" pitchFamily="34" charset="-128"/>
-                <a:ea typeface="小塚ゴシック Std H" panose="020B0800000000000000" pitchFamily="34" charset="-128"/>
-              </a:rPr>
-              <a:t>。</a:t>
-            </a:r>
-            <a:endParaRPr lang="en-US" altLang="ja-JP" sz="2000" dirty="0" smtClean="0">
+            <a:pPr algn="l"/>
+            <a:r>
+              <a:rPr lang="ja-JP" altLang="en-US" sz="2800" dirty="0" smtClean="0">
+                <a:latin typeface="小塚ゴシック Std H" panose="020B0800000000000000" pitchFamily="34" charset="-128"/>
+                <a:ea typeface="小塚ゴシック Std H" panose="020B0800000000000000" pitchFamily="34" charset="-128"/>
+              </a:rPr>
+              <a:t>リーダー</a:t>
+            </a:r>
+            <a:endParaRPr lang="en-US" altLang="ja-JP" sz="2800" dirty="0" smtClean="0">
               <a:latin typeface="小塚ゴシック Std H" panose="020B0800000000000000" pitchFamily="34" charset="-128"/>
               <a:ea typeface="小塚ゴシック Std H" panose="020B0800000000000000" pitchFamily="34" charset="-128"/>
             </a:endParaRPr>
           </a:p>
           <a:p>
-            <a:pPr marL="382270" indent="-382270" algn="l" defTabSz="502412">
-              <a:lnSpc>
-                <a:spcPct val="100000"/>
-              </a:lnSpc>
-              <a:spcBef>
-                <a:spcPts val="600"/>
-              </a:spcBef>
-              <a:defRPr sz="3096"/>
-            </a:pPr>
-            <a:endParaRPr lang="ja-JP" altLang="en-US" sz="2000" dirty="0">
+            <a:pPr lvl="1" algn="l"/>
+            <a:r>
+              <a:rPr lang="ja-JP" altLang="en-US" dirty="0" smtClean="0">
+                <a:solidFill>
+                  <a:srgbClr val="FF0000"/>
+                </a:solidFill>
+                <a:latin typeface="小塚ゴシック Std H" panose="020B0800000000000000" pitchFamily="34" charset="-128"/>
+                <a:ea typeface="小塚ゴシック Std H" panose="020B0800000000000000" pitchFamily="34" charset="-128"/>
+              </a:rPr>
+              <a:t>最初</a:t>
+            </a:r>
+            <a:r>
+              <a:rPr lang="ja-JP" altLang="en-US" dirty="0" smtClean="0">
+                <a:latin typeface="小塚ゴシック Std H" panose="020B0800000000000000" pitchFamily="34" charset="-128"/>
+                <a:ea typeface="小塚ゴシック Std H" panose="020B0800000000000000" pitchFamily="34" charset="-128"/>
+              </a:rPr>
+              <a:t>と</a:t>
+            </a:r>
+            <a:r>
+              <a:rPr lang="ja-JP" altLang="en-US" dirty="0" smtClean="0">
+                <a:solidFill>
+                  <a:srgbClr val="FF0000"/>
+                </a:solidFill>
+                <a:latin typeface="小塚ゴシック Std H" panose="020B0800000000000000" pitchFamily="34" charset="-128"/>
+                <a:ea typeface="小塚ゴシック Std H" panose="020B0800000000000000" pitchFamily="34" charset="-128"/>
+              </a:rPr>
+              <a:t>ロボが死ぬ度</a:t>
+            </a:r>
+            <a:r>
+              <a:rPr lang="ja-JP" altLang="en-US" dirty="0" smtClean="0">
+                <a:latin typeface="小塚ゴシック Std H" panose="020B0800000000000000" pitchFamily="34" charset="-128"/>
+                <a:ea typeface="小塚ゴシック Std H" panose="020B0800000000000000" pitchFamily="34" charset="-128"/>
+              </a:rPr>
+              <a:t>にレーダーを数周回転。</a:t>
+            </a:r>
+            <a:endParaRPr lang="en-US" altLang="ja-JP" dirty="0" smtClean="0">
               <a:latin typeface="小塚ゴシック Std H" panose="020B0800000000000000" pitchFamily="34" charset="-128"/>
               <a:ea typeface="小塚ゴシック Std H" panose="020B0800000000000000" pitchFamily="34" charset="-128"/>
             </a:endParaRPr>
           </a:p>
           <a:p>
-            <a:pPr marL="382270" indent="-382270" algn="l" defTabSz="502412">
-              <a:lnSpc>
-                <a:spcPct val="100000"/>
-              </a:lnSpc>
-              <a:spcBef>
-                <a:spcPts val="600"/>
-              </a:spcBef>
-              <a:defRPr sz="3096"/>
-            </a:pPr>
-            <a:r>
-              <a:rPr lang="ja-JP" altLang="en-US" sz="2800" dirty="0">
+            <a:pPr lvl="1" algn="l"/>
+            <a:r>
+              <a:rPr lang="ja-JP" altLang="en-US" dirty="0">
+                <a:latin typeface="小塚ゴシック Std H" panose="020B0800000000000000" pitchFamily="34" charset="-128"/>
+                <a:ea typeface="小塚ゴシック Std H" panose="020B0800000000000000" pitchFamily="34" charset="-128"/>
+              </a:rPr>
+              <a:t>発見</a:t>
+            </a:r>
+            <a:r>
+              <a:rPr lang="ja-JP" altLang="en-US" dirty="0" smtClean="0">
+                <a:latin typeface="小塚ゴシック Std H" panose="020B0800000000000000" pitchFamily="34" charset="-128"/>
+                <a:ea typeface="小塚ゴシック Std H" panose="020B0800000000000000" pitchFamily="34" charset="-128"/>
+              </a:rPr>
+              <a:t>した敵の中で</a:t>
+            </a:r>
+            <a:r>
+              <a:rPr lang="ja-JP" altLang="en-US" dirty="0" smtClean="0">
                 <a:solidFill>
                   <a:srgbClr val="FF0000"/>
                 </a:solidFill>
                 <a:latin typeface="小塚ゴシック Std H" panose="020B0800000000000000" pitchFamily="34" charset="-128"/>
                 <a:ea typeface="小塚ゴシック Std H" panose="020B0800000000000000" pitchFamily="34" charset="-128"/>
               </a:rPr>
-              <a:t>自チームの数</a:t>
-            </a:r>
-            <a:r>
-              <a:rPr lang="ja-JP" altLang="en-US" sz="2800" dirty="0">
-                <a:latin typeface="小塚ゴシック Std H" panose="020B0800000000000000" pitchFamily="34" charset="-128"/>
-                <a:ea typeface="小塚ゴシック Std H" panose="020B0800000000000000" pitchFamily="34" charset="-128"/>
-              </a:rPr>
-              <a:t>≧敵チームの数</a:t>
-            </a:r>
-          </a:p>
-          <a:p>
-            <a:pPr marL="839470" lvl="1" indent="-382270" algn="l" defTabSz="502412">
-              <a:lnSpc>
-                <a:spcPct val="100000"/>
-              </a:lnSpc>
-              <a:spcBef>
-                <a:spcPts val="600"/>
-              </a:spcBef>
-              <a:defRPr sz="3096"/>
-            </a:pPr>
-            <a:r>
-              <a:rPr lang="ja-JP" altLang="en-US" sz="1800" dirty="0">
-                <a:latin typeface="小塚ゴシック Std H" panose="020B0800000000000000" pitchFamily="34" charset="-128"/>
-                <a:ea typeface="小塚ゴシック Std H" panose="020B0800000000000000" pitchFamily="34" charset="-128"/>
-              </a:rPr>
-              <a:t>自チームで分担しながら、全ての敵機をレーダーでロックオン。</a:t>
-            </a:r>
-          </a:p>
-          <a:p>
-            <a:pPr marL="839470" lvl="1" indent="-382270" algn="l" defTabSz="502412">
-              <a:lnSpc>
-                <a:spcPct val="100000"/>
-              </a:lnSpc>
-              <a:spcBef>
-                <a:spcPts val="600"/>
-              </a:spcBef>
-              <a:defRPr sz="3096"/>
-            </a:pPr>
-            <a:r>
-              <a:rPr lang="ja-JP" altLang="en-US" sz="1800" dirty="0">
-                <a:latin typeface="小塚ゴシック Std H" panose="020B0800000000000000" pitchFamily="34" charset="-128"/>
-                <a:ea typeface="小塚ゴシック Std H" panose="020B0800000000000000" pitchFamily="34" charset="-128"/>
-              </a:rPr>
-              <a:t>開始直後はレーダーを</a:t>
-            </a:r>
-            <a:r>
-              <a:rPr lang="en-US" altLang="ja-JP" sz="1800" dirty="0">
-                <a:latin typeface="小塚ゴシック Std H" panose="020B0800000000000000" pitchFamily="34" charset="-128"/>
-                <a:ea typeface="小塚ゴシック Std H" panose="020B0800000000000000" pitchFamily="34" charset="-128"/>
-              </a:rPr>
-              <a:t>1</a:t>
-            </a:r>
-            <a:r>
-              <a:rPr lang="ja-JP" altLang="en-US" sz="1800" dirty="0">
-                <a:latin typeface="小塚ゴシック Std H" panose="020B0800000000000000" pitchFamily="34" charset="-128"/>
-                <a:ea typeface="小塚ゴシック Std H" panose="020B0800000000000000" pitchFamily="34" charset="-128"/>
-              </a:rPr>
-              <a:t>周させて敵を捕捉。</a:t>
-            </a:r>
-          </a:p>
-          <a:p>
-            <a:pPr marL="382270" indent="-382270" algn="l" defTabSz="502412">
-              <a:lnSpc>
-                <a:spcPct val="100000"/>
-              </a:lnSpc>
-              <a:spcBef>
-                <a:spcPts val="600"/>
-              </a:spcBef>
-              <a:defRPr sz="3096"/>
-            </a:pPr>
-            <a:endParaRPr lang="ja-JP" altLang="en-US" sz="2000" dirty="0">
+              <a:t>最も優先度が高い敵</a:t>
+            </a:r>
+            <a:r>
+              <a:rPr lang="ja-JP" altLang="en-US" dirty="0" smtClean="0">
+                <a:latin typeface="小塚ゴシック Std H" panose="020B0800000000000000" pitchFamily="34" charset="-128"/>
+                <a:ea typeface="小塚ゴシック Std H" panose="020B0800000000000000" pitchFamily="34" charset="-128"/>
+              </a:rPr>
+              <a:t>に</a:t>
+            </a:r>
+            <a:r>
+              <a:rPr lang="ja-JP" altLang="en-US" dirty="0">
+                <a:latin typeface="小塚ゴシック Std H" panose="020B0800000000000000" pitchFamily="34" charset="-128"/>
+                <a:ea typeface="小塚ゴシック Std H" panose="020B0800000000000000" pitchFamily="34" charset="-128"/>
+              </a:rPr>
+              <a:t>レーダ</a:t>
+            </a:r>
+            <a:r>
+              <a:rPr lang="ja-JP" altLang="en-US" dirty="0" smtClean="0">
+                <a:latin typeface="小塚ゴシック Std H" panose="020B0800000000000000" pitchFamily="34" charset="-128"/>
+                <a:ea typeface="小塚ゴシック Std H" panose="020B0800000000000000" pitchFamily="34" charset="-128"/>
+              </a:rPr>
+              <a:t>ーを</a:t>
+            </a:r>
+            <a:r>
+              <a:rPr lang="ja-JP" altLang="en-US" dirty="0" smtClean="0">
+                <a:solidFill>
+                  <a:srgbClr val="FF0000"/>
+                </a:solidFill>
+                <a:latin typeface="小塚ゴシック Std H" panose="020B0800000000000000" pitchFamily="34" charset="-128"/>
+                <a:ea typeface="小塚ゴシック Std H" panose="020B0800000000000000" pitchFamily="34" charset="-128"/>
+              </a:rPr>
+              <a:t>ロックオン</a:t>
+            </a:r>
+            <a:r>
+              <a:rPr lang="ja-JP" altLang="en-US" dirty="0" smtClean="0">
+                <a:latin typeface="小塚ゴシック Std H" panose="020B0800000000000000" pitchFamily="34" charset="-128"/>
+                <a:ea typeface="小塚ゴシック Std H" panose="020B0800000000000000" pitchFamily="34" charset="-128"/>
+              </a:rPr>
+              <a:t>。</a:t>
+            </a:r>
+            <a:endParaRPr lang="en-US" altLang="ja-JP" dirty="0">
               <a:latin typeface="小塚ゴシック Std H" panose="020B0800000000000000" pitchFamily="34" charset="-128"/>
               <a:ea typeface="小塚ゴシック Std H" panose="020B0800000000000000" pitchFamily="34" charset="-128"/>
             </a:endParaRPr>
           </a:p>
           <a:p>
-            <a:pPr marL="382270" indent="-382270" algn="l" defTabSz="502412">
-              <a:lnSpc>
-                <a:spcPct val="100000"/>
-              </a:lnSpc>
-              <a:spcBef>
-                <a:spcPts val="600"/>
-              </a:spcBef>
-              <a:defRPr sz="3096"/>
-            </a:pPr>
+            <a:pPr algn="l"/>
+            <a:endParaRPr lang="en-US" altLang="ja-JP" dirty="0" smtClean="0">
+              <a:latin typeface="小塚ゴシック Std H" panose="020B0800000000000000" pitchFamily="34" charset="-128"/>
+              <a:ea typeface="小塚ゴシック Std H" panose="020B0800000000000000" pitchFamily="34" charset="-128"/>
+            </a:endParaRPr>
+          </a:p>
+          <a:p>
+            <a:pPr algn="l"/>
+            <a:r>
+              <a:rPr lang="ja-JP" altLang="en-US" sz="2800" dirty="0" smtClean="0">
+                <a:latin typeface="小塚ゴシック Std H" panose="020B0800000000000000" pitchFamily="34" charset="-128"/>
+                <a:ea typeface="小塚ゴシック Std H" panose="020B0800000000000000" pitchFamily="34" charset="-128"/>
+              </a:rPr>
+              <a:t>一般</a:t>
+            </a:r>
             <a:r>
               <a:rPr lang="ja-JP" altLang="en-US" sz="2800" dirty="0">
+                <a:latin typeface="小塚ゴシック Std H" panose="020B0800000000000000" pitchFamily="34" charset="-128"/>
+                <a:ea typeface="小塚ゴシック Std H" panose="020B0800000000000000" pitchFamily="34" charset="-128"/>
+              </a:rPr>
+              <a:t>機</a:t>
+            </a:r>
+            <a:endParaRPr lang="en-US" altLang="ja-JP" sz="2800" dirty="0" smtClean="0">
+              <a:latin typeface="小塚ゴシック Std H" panose="020B0800000000000000" pitchFamily="34" charset="-128"/>
+              <a:ea typeface="小塚ゴシック Std H" panose="020B0800000000000000" pitchFamily="34" charset="-128"/>
+            </a:endParaRPr>
+          </a:p>
+          <a:p>
+            <a:pPr lvl="1" algn="l"/>
+            <a:r>
+              <a:rPr lang="ja-JP" altLang="en-US" dirty="0" smtClean="0">
+                <a:latin typeface="小塚ゴシック Std H" panose="020B0800000000000000" pitchFamily="34" charset="-128"/>
+                <a:ea typeface="小塚ゴシック Std H" panose="020B0800000000000000" pitchFamily="34" charset="-128"/>
+              </a:rPr>
+              <a:t>リーダーが存命</a:t>
+            </a:r>
+            <a:r>
+              <a:rPr lang="en-US" altLang="ja-JP" dirty="0" smtClean="0">
+                <a:latin typeface="小塚ゴシック Std H" panose="020B0800000000000000" pitchFamily="34" charset="-128"/>
+                <a:ea typeface="小塚ゴシック Std H" panose="020B0800000000000000" pitchFamily="34" charset="-128"/>
+              </a:rPr>
+              <a:t>…</a:t>
+            </a:r>
+            <a:r>
+              <a:rPr lang="ja-JP" altLang="en-US" dirty="0" smtClean="0">
                 <a:solidFill>
                   <a:srgbClr val="FF0000"/>
                 </a:solidFill>
                 <a:latin typeface="小塚ゴシック Std H" panose="020B0800000000000000" pitchFamily="34" charset="-128"/>
                 <a:ea typeface="小塚ゴシック Std H" panose="020B0800000000000000" pitchFamily="34" charset="-128"/>
               </a:rPr>
-              <a:t>敵チームの数</a:t>
-            </a:r>
-            <a:r>
-              <a:rPr lang="ja-JP" altLang="en-US" sz="2800" dirty="0">
-                <a:latin typeface="小塚ゴシック Std H" panose="020B0800000000000000" pitchFamily="34" charset="-128"/>
-                <a:ea typeface="小塚ゴシック Std H" panose="020B0800000000000000" pitchFamily="34" charset="-128"/>
-              </a:rPr>
-              <a:t>＞自チームの数</a:t>
-            </a:r>
-          </a:p>
-          <a:p>
-            <a:pPr marL="839470" lvl="1" indent="-382270" algn="l" defTabSz="502412">
-              <a:lnSpc>
-                <a:spcPct val="100000"/>
-              </a:lnSpc>
-              <a:spcBef>
-                <a:spcPts val="600"/>
-              </a:spcBef>
-              <a:defRPr sz="3096"/>
-            </a:pPr>
-            <a:r>
-              <a:rPr lang="ja-JP" altLang="en-US" sz="1600" dirty="0">
-                <a:latin typeface="小塚ゴシック Std H" panose="020B0800000000000000" pitchFamily="34" charset="-128"/>
-                <a:ea typeface="小塚ゴシック Std H" panose="020B0800000000000000" pitchFamily="34" charset="-128"/>
-              </a:rPr>
-              <a:t>体力の一番少ない機体を集中的に捕捉。</a:t>
-            </a:r>
+              <a:t>リーダーが指定した敵</a:t>
+            </a:r>
+            <a:r>
+              <a:rPr lang="ja-JP" altLang="en-US" dirty="0" smtClean="0">
+                <a:latin typeface="小塚ゴシック Std H" panose="020B0800000000000000" pitchFamily="34" charset="-128"/>
+                <a:ea typeface="小塚ゴシック Std H" panose="020B0800000000000000" pitchFamily="34" charset="-128"/>
+              </a:rPr>
+              <a:t>にロックオン</a:t>
+            </a:r>
+            <a:endParaRPr lang="ja-JP" altLang="en-US" dirty="0">
+              <a:latin typeface="小塚ゴシック Std H" panose="020B0800000000000000" pitchFamily="34" charset="-128"/>
+              <a:ea typeface="小塚ゴシック Std H" panose="020B0800000000000000" pitchFamily="34" charset="-128"/>
+            </a:endParaRPr>
+          </a:p>
+          <a:p>
+            <a:pPr lvl="1" algn="l"/>
+            <a:r>
+              <a:rPr lang="ja-JP" altLang="en-US" dirty="0">
+                <a:latin typeface="小塚ゴシック Std H" panose="020B0800000000000000" pitchFamily="34" charset="-128"/>
+                <a:ea typeface="小塚ゴシック Std H" panose="020B0800000000000000" pitchFamily="34" charset="-128"/>
+              </a:rPr>
+              <a:t>リーダ</a:t>
+            </a:r>
+            <a:r>
+              <a:rPr lang="ja-JP" altLang="en-US" dirty="0" smtClean="0">
+                <a:latin typeface="小塚ゴシック Std H" panose="020B0800000000000000" pitchFamily="34" charset="-128"/>
+                <a:ea typeface="小塚ゴシック Std H" panose="020B0800000000000000" pitchFamily="34" charset="-128"/>
+              </a:rPr>
+              <a:t>ーが戦死</a:t>
+            </a:r>
+            <a:r>
+              <a:rPr lang="en-US" altLang="ja-JP" dirty="0" smtClean="0">
+                <a:latin typeface="小塚ゴシック Std H" panose="020B0800000000000000" pitchFamily="34" charset="-128"/>
+                <a:ea typeface="小塚ゴシック Std H" panose="020B0800000000000000" pitchFamily="34" charset="-128"/>
+              </a:rPr>
+              <a:t>…</a:t>
+            </a:r>
+            <a:r>
+              <a:rPr lang="ja-JP" altLang="en-US" dirty="0" smtClean="0">
+                <a:solidFill>
+                  <a:srgbClr val="FF0000"/>
+                </a:solidFill>
+                <a:latin typeface="小塚ゴシック Std H" panose="020B0800000000000000" pitchFamily="34" charset="-128"/>
+                <a:ea typeface="小塚ゴシック Std H" panose="020B0800000000000000" pitchFamily="34" charset="-128"/>
+              </a:rPr>
+              <a:t>最初に捉えた敵</a:t>
+            </a:r>
+            <a:r>
+              <a:rPr lang="ja-JP" altLang="en-US" dirty="0" smtClean="0">
+                <a:latin typeface="小塚ゴシック Std H" panose="020B0800000000000000" pitchFamily="34" charset="-128"/>
+                <a:ea typeface="小塚ゴシック Std H" panose="020B0800000000000000" pitchFamily="34" charset="-128"/>
+              </a:rPr>
+              <a:t>にロックオン</a:t>
+            </a:r>
+            <a:endParaRPr lang="ja-JP" altLang="en-US" dirty="0">
+              <a:solidFill>
+                <a:srgbClr val="FF0000"/>
+              </a:solidFill>
+              <a:latin typeface="小塚ゴシック Std H" panose="020B0800000000000000" pitchFamily="34" charset="-128"/>
+              <a:ea typeface="小塚ゴシック Std H" panose="020B0800000000000000" pitchFamily="34" charset="-128"/>
+            </a:endParaRPr>
           </a:p>
         </p:txBody>
       </p:sp>
     </p:spTree>
     <p:extLst>
       <p:ext uri="{BB962C8B-B14F-4D97-AF65-F5344CB8AC3E}">
-        <p14:creationId xmlns:p14="http://schemas.microsoft.com/office/powerpoint/2010/main" val="1598058197"/>
+        <p14:creationId xmlns:p14="http://schemas.microsoft.com/office/powerpoint/2010/main" val="800693260"/>
       </p:ext>
     </p:extLst>
   </p:cSld>
@@ -5217,41 +5262,14 @@
                 <a:latin typeface="小塚ゴシック Std H" panose="020B0800000000000000" pitchFamily="34" charset="-128"/>
                 <a:ea typeface="小塚ゴシック Std H" panose="020B0800000000000000" pitchFamily="34" charset="-128"/>
               </a:rPr>
-              <a:t>「</a:t>
-            </a:r>
-            <a:r>
-              <a:rPr lang="ja-JP" altLang="en-US" dirty="0" smtClean="0">
-                <a:solidFill>
-                  <a:srgbClr val="FF0000"/>
-                </a:solidFill>
-                <a:latin typeface="小塚ゴシック Std H" panose="020B0800000000000000" pitchFamily="34" charset="-128"/>
-                <a:ea typeface="小塚ゴシック Std H" panose="020B0800000000000000" pitchFamily="34" charset="-128"/>
-              </a:rPr>
-              <a:t>レーダーがある機体</a:t>
-            </a:r>
-            <a:r>
-              <a:rPr lang="ja-JP" altLang="en-US" dirty="0" smtClean="0">
-                <a:latin typeface="小塚ゴシック Std H" panose="020B0800000000000000" pitchFamily="34" charset="-128"/>
-                <a:ea typeface="小塚ゴシック Std H" panose="020B0800000000000000" pitchFamily="34" charset="-128"/>
-              </a:rPr>
-              <a:t>」「</a:t>
-            </a:r>
-            <a:r>
-              <a:rPr lang="ja-JP" altLang="en-US" dirty="0" smtClean="0">
-                <a:solidFill>
-                  <a:srgbClr val="FF0000"/>
-                </a:solidFill>
-                <a:latin typeface="小塚ゴシック Std H" panose="020B0800000000000000" pitchFamily="34" charset="-128"/>
-                <a:ea typeface="小塚ゴシック Std H" panose="020B0800000000000000" pitchFamily="34" charset="-128"/>
-              </a:rPr>
-              <a:t>体力が最低の機体</a:t>
-            </a:r>
-            <a:r>
-              <a:rPr lang="ja-JP" altLang="en-US" dirty="0" smtClean="0">
-                <a:latin typeface="小塚ゴシック Std H" panose="020B0800000000000000" pitchFamily="34" charset="-128"/>
-                <a:ea typeface="小塚ゴシック Std H" panose="020B0800000000000000" pitchFamily="34" charset="-128"/>
-              </a:rPr>
-              <a:t>」を優先的に攻撃。</a:t>
+              <a:t>ロックオンした敵をひたすら攻撃</a:t>
+            </a:r>
+            <a:r>
+              <a:rPr lang="ja-JP" altLang="en-US" dirty="0" smtClean="0">
+                <a:latin typeface="小塚ゴシック Std H" panose="020B0800000000000000" pitchFamily="34" charset="-128"/>
+                <a:ea typeface="小塚ゴシック Std H" panose="020B0800000000000000" pitchFamily="34" charset="-128"/>
+              </a:rPr>
+              <a:t>。</a:t>
             </a:r>
             <a:endParaRPr lang="en-US" altLang="ja-JP" dirty="0" smtClean="0">
               <a:latin typeface="小塚ゴシック Std H" panose="020B0800000000000000" pitchFamily="34" charset="-128"/>
@@ -5269,248 +5287,75 @@
             <a:pPr algn="l"/>
             <a:r>
               <a:rPr lang="ja-JP" altLang="en-US" dirty="0" smtClean="0">
-                <a:latin typeface="小塚ゴシック Std H" panose="020B0800000000000000" pitchFamily="34" charset="-128"/>
-                <a:ea typeface="小塚ゴシック Std H" panose="020B0800000000000000" pitchFamily="34" charset="-128"/>
-              </a:rPr>
-              <a:t>攻撃パターンは以下の三種。</a:t>
+                <a:solidFill>
+                  <a:srgbClr val="FF0000"/>
+                </a:solidFill>
+                <a:latin typeface="小塚ゴシック Std H" panose="020B0800000000000000" pitchFamily="34" charset="-128"/>
+                <a:ea typeface="小塚ゴシック Std H" panose="020B0800000000000000" pitchFamily="34" charset="-128"/>
+              </a:rPr>
+              <a:t>円形予測射撃</a:t>
             </a:r>
             <a:endParaRPr lang="en-US" altLang="ja-JP" dirty="0" smtClean="0">
+              <a:solidFill>
+                <a:srgbClr val="FF0000"/>
+              </a:solidFill>
               <a:latin typeface="小塚ゴシック Std H" panose="020B0800000000000000" pitchFamily="34" charset="-128"/>
               <a:ea typeface="小塚ゴシック Std H" panose="020B0800000000000000" pitchFamily="34" charset="-128"/>
             </a:endParaRPr>
           </a:p>
-        </p:txBody>
-      </p:sp>
-      <p:sp>
-        <p:nvSpPr>
-          <p:cNvPr id="4" name="テキスト ボックス 3"/>
-          <p:cNvSpPr txBox="1"/>
+          <a:p>
+            <a:pPr lvl="1" algn="l"/>
+            <a:r>
+              <a:rPr lang="ja-JP" altLang="en-US" sz="1800" dirty="0">
+                <a:latin typeface="小塚ゴシック Std H" panose="020B0800000000000000" pitchFamily="34" charset="-128"/>
+                <a:ea typeface="小塚ゴシック Std H" panose="020B0800000000000000" pitchFamily="34" charset="-128"/>
+              </a:rPr>
+              <a:t>敵が同じ速度で円弧状に移動していると仮定し</a:t>
+            </a:r>
+            <a:r>
+              <a:rPr lang="ja-JP" altLang="en-US" sz="1800" dirty="0" smtClean="0">
+                <a:latin typeface="小塚ゴシック Std H" panose="020B0800000000000000" pitchFamily="34" charset="-128"/>
+                <a:ea typeface="小塚ゴシック Std H" panose="020B0800000000000000" pitchFamily="34" charset="-128"/>
+              </a:rPr>
+              <a:t>射撃</a:t>
+            </a:r>
+            <a:endParaRPr lang="ja-JP" altLang="en-US" sz="1800" dirty="0">
+              <a:latin typeface="小塚ゴシック Std H" panose="020B0800000000000000" pitchFamily="34" charset="-128"/>
+              <a:ea typeface="小塚ゴシック Std H" panose="020B0800000000000000" pitchFamily="34" charset="-128"/>
+            </a:endParaRPr>
+          </a:p>
+        </p:txBody>
+      </p:sp>
+      <p:pic>
+        <p:nvPicPr>
+          <p:cNvPr id="5" name="図 4"/>
+          <p:cNvPicPr>
+            <a:picLocks noChangeAspect="1"/>
+          </p:cNvPicPr>
           <p:nvPr/>
-        </p:nvSpPr>
+        </p:nvPicPr>
+        <p:blipFill>
+          <a:blip r:embed="rId3">
+            <a:extLst>
+              <a:ext uri="{28A0092B-C50C-407E-A947-70E740481C1C}">
+                <a14:useLocalDpi xmlns:a14="http://schemas.microsoft.com/office/drawing/2010/main" val="0"/>
+              </a:ext>
+            </a:extLst>
+          </a:blip>
+          <a:stretch>
+            <a:fillRect/>
+          </a:stretch>
+        </p:blipFill>
         <p:spPr>
           <a:xfrm>
-            <a:off x="461554" y="3901440"/>
-            <a:ext cx="7036526" cy="2302508"/>
+            <a:off x="177981" y="3772444"/>
+            <a:ext cx="5905500" cy="4381500"/>
           </a:xfrm>
           <a:prstGeom prst="rect">
             <a:avLst/>
           </a:prstGeom>
-          <a:solidFill>
-            <a:schemeClr val="lt1">
-              <a:alpha val="85000"/>
-            </a:schemeClr>
-          </a:solidFill>
-          <a:ln w="38100" cap="rnd" cmpd="sng">
-            <a:solidFill>
-              <a:schemeClr val="tx1"/>
-            </a:solidFill>
-            <a:prstDash val="sysDot"/>
-          </a:ln>
         </p:spPr>
-        <p:txBody>
-          <a:bodyPr wrap="square" lIns="288000" tIns="180000" rIns="288000" bIns="180000" rtlCol="0">
-            <a:spAutoFit/>
-          </a:bodyPr>
-          <a:lstStyle/>
-          <a:p>
-            <a:r>
-              <a:rPr lang="en-US" altLang="ja-JP" sz="2400" dirty="0">
-                <a:latin typeface="小塚ゴシック Std H" panose="020B0800000000000000" pitchFamily="34" charset="-128"/>
-                <a:ea typeface="小塚ゴシック Std H" panose="020B0800000000000000" pitchFamily="34" charset="-128"/>
-              </a:rPr>
-              <a:t>1.</a:t>
-            </a:r>
-            <a:r>
-              <a:rPr lang="ja-JP" altLang="en-US" sz="2400" dirty="0">
-                <a:solidFill>
-                  <a:srgbClr val="FF0000"/>
-                </a:solidFill>
-                <a:latin typeface="小塚ゴシック Std H" panose="020B0800000000000000" pitchFamily="34" charset="-128"/>
-                <a:ea typeface="小塚ゴシック Std H" panose="020B0800000000000000" pitchFamily="34" charset="-128"/>
-              </a:rPr>
-              <a:t>座標</a:t>
-            </a:r>
-            <a:r>
-              <a:rPr lang="ja-JP" altLang="en-US" sz="2400" dirty="0">
-                <a:latin typeface="小塚ゴシック Std H" panose="020B0800000000000000" pitchFamily="34" charset="-128"/>
-                <a:ea typeface="小塚ゴシック Std H" panose="020B0800000000000000" pitchFamily="34" charset="-128"/>
-              </a:rPr>
-              <a:t>撃ち</a:t>
-            </a:r>
-            <a:endParaRPr lang="en-US" altLang="ja-JP" sz="2400" dirty="0">
-              <a:latin typeface="小塚ゴシック Std H" panose="020B0800000000000000" pitchFamily="34" charset="-128"/>
-              <a:ea typeface="小塚ゴシック Std H" panose="020B0800000000000000" pitchFamily="34" charset="-128"/>
-            </a:endParaRPr>
-          </a:p>
-          <a:p>
-            <a:r>
-              <a:rPr lang="ja-JP" altLang="en-US" dirty="0" smtClean="0">
-                <a:latin typeface="小塚ゴシック Std H" panose="020B0800000000000000" pitchFamily="34" charset="-128"/>
-                <a:ea typeface="小塚ゴシック Std H" panose="020B0800000000000000" pitchFamily="34" charset="-128"/>
-              </a:rPr>
-              <a:t>　　　敵機</a:t>
-            </a:r>
-            <a:r>
-              <a:rPr lang="ja-JP" altLang="en-US" dirty="0">
-                <a:latin typeface="小塚ゴシック Std H" panose="020B0800000000000000" pitchFamily="34" charset="-128"/>
-                <a:ea typeface="小塚ゴシック Std H" panose="020B0800000000000000" pitchFamily="34" charset="-128"/>
-              </a:rPr>
-              <a:t>を</a:t>
-            </a:r>
-            <a:r>
-              <a:rPr lang="ja-JP" altLang="en-US" dirty="0">
-                <a:solidFill>
-                  <a:srgbClr val="FF0000"/>
-                </a:solidFill>
-                <a:latin typeface="小塚ゴシック Std H" panose="020B0800000000000000" pitchFamily="34" charset="-128"/>
-                <a:ea typeface="小塚ゴシック Std H" panose="020B0800000000000000" pitchFamily="34" charset="-128"/>
-              </a:rPr>
-              <a:t>捉えた位置</a:t>
-            </a:r>
-            <a:r>
-              <a:rPr lang="ja-JP" altLang="en-US" dirty="0">
-                <a:latin typeface="小塚ゴシック Std H" panose="020B0800000000000000" pitchFamily="34" charset="-128"/>
-                <a:ea typeface="小塚ゴシック Std H" panose="020B0800000000000000" pitchFamily="34" charset="-128"/>
-              </a:rPr>
-              <a:t>へ弾を撃つ。</a:t>
-            </a:r>
-            <a:endParaRPr lang="en-US" altLang="ja-JP" dirty="0">
-              <a:latin typeface="小塚ゴシック Std H" panose="020B0800000000000000" pitchFamily="34" charset="-128"/>
-              <a:ea typeface="小塚ゴシック Std H" panose="020B0800000000000000" pitchFamily="34" charset="-128"/>
-            </a:endParaRPr>
-          </a:p>
-          <a:p>
-            <a:r>
-              <a:rPr lang="en-US" altLang="ja-JP" sz="2400" dirty="0">
-                <a:latin typeface="小塚ゴシック Std H" panose="020B0800000000000000" pitchFamily="34" charset="-128"/>
-                <a:ea typeface="小塚ゴシック Std H" panose="020B0800000000000000" pitchFamily="34" charset="-128"/>
-              </a:rPr>
-              <a:t>2.</a:t>
-            </a:r>
-            <a:r>
-              <a:rPr lang="ja-JP" altLang="en-US" sz="2400" dirty="0">
-                <a:solidFill>
-                  <a:srgbClr val="FF0000"/>
-                </a:solidFill>
-                <a:latin typeface="小塚ゴシック Std H" panose="020B0800000000000000" pitchFamily="34" charset="-128"/>
-                <a:ea typeface="小塚ゴシック Std H" panose="020B0800000000000000" pitchFamily="34" charset="-128"/>
-              </a:rPr>
-              <a:t>等速</a:t>
-            </a:r>
-            <a:r>
-              <a:rPr lang="ja-JP" altLang="en-US" sz="2400" dirty="0">
-                <a:latin typeface="小塚ゴシック Std H" panose="020B0800000000000000" pitchFamily="34" charset="-128"/>
-                <a:ea typeface="小塚ゴシック Std H" panose="020B0800000000000000" pitchFamily="34" charset="-128"/>
-              </a:rPr>
-              <a:t>直線運動撃ち</a:t>
-            </a:r>
-            <a:endParaRPr lang="en-US" altLang="ja-JP" sz="2400" dirty="0">
-              <a:latin typeface="小塚ゴシック Std H" panose="020B0800000000000000" pitchFamily="34" charset="-128"/>
-              <a:ea typeface="小塚ゴシック Std H" panose="020B0800000000000000" pitchFamily="34" charset="-128"/>
-            </a:endParaRPr>
-          </a:p>
-          <a:p>
-            <a:r>
-              <a:rPr lang="ja-JP" altLang="en-US" dirty="0" smtClean="0">
-                <a:latin typeface="小塚ゴシック Std H" panose="020B0800000000000000" pitchFamily="34" charset="-128"/>
-                <a:ea typeface="小塚ゴシック Std H" panose="020B0800000000000000" pitchFamily="34" charset="-128"/>
-              </a:rPr>
-              <a:t>　　　敵機</a:t>
-            </a:r>
-            <a:r>
-              <a:rPr lang="ja-JP" altLang="en-US" dirty="0">
-                <a:latin typeface="小塚ゴシック Std H" panose="020B0800000000000000" pitchFamily="34" charset="-128"/>
-                <a:ea typeface="小塚ゴシック Std H" panose="020B0800000000000000" pitchFamily="34" charset="-128"/>
-              </a:rPr>
-              <a:t>が</a:t>
-            </a:r>
-            <a:r>
-              <a:rPr lang="ja-JP" altLang="en-US" dirty="0">
-                <a:solidFill>
-                  <a:srgbClr val="FF0000"/>
-                </a:solidFill>
-                <a:latin typeface="小塚ゴシック Std H" panose="020B0800000000000000" pitchFamily="34" charset="-128"/>
-                <a:ea typeface="小塚ゴシック Std H" panose="020B0800000000000000" pitchFamily="34" charset="-128"/>
-              </a:rPr>
-              <a:t>等速直線運動している場合の予測先</a:t>
-            </a:r>
-            <a:r>
-              <a:rPr lang="ja-JP" altLang="en-US" dirty="0">
-                <a:latin typeface="小塚ゴシック Std H" panose="020B0800000000000000" pitchFamily="34" charset="-128"/>
-                <a:ea typeface="小塚ゴシック Std H" panose="020B0800000000000000" pitchFamily="34" charset="-128"/>
-              </a:rPr>
-              <a:t>に撃つ。</a:t>
-            </a:r>
-            <a:endParaRPr lang="en-US" altLang="ja-JP" dirty="0">
-              <a:latin typeface="小塚ゴシック Std H" panose="020B0800000000000000" pitchFamily="34" charset="-128"/>
-              <a:ea typeface="小塚ゴシック Std H" panose="020B0800000000000000" pitchFamily="34" charset="-128"/>
-            </a:endParaRPr>
-          </a:p>
-          <a:p>
-            <a:r>
-              <a:rPr lang="en-US" altLang="ja-JP" sz="2400" dirty="0">
-                <a:latin typeface="小塚ゴシック Std H" panose="020B0800000000000000" pitchFamily="34" charset="-128"/>
-                <a:ea typeface="小塚ゴシック Std H" panose="020B0800000000000000" pitchFamily="34" charset="-128"/>
-              </a:rPr>
-              <a:t>3 .</a:t>
-            </a:r>
-            <a:r>
-              <a:rPr lang="ja-JP" altLang="en-US" sz="2400" dirty="0">
-                <a:solidFill>
-                  <a:srgbClr val="FF0000"/>
-                </a:solidFill>
-                <a:latin typeface="小塚ゴシック Std H" panose="020B0800000000000000" pitchFamily="34" charset="-128"/>
-                <a:ea typeface="小塚ゴシック Std H" panose="020B0800000000000000" pitchFamily="34" charset="-128"/>
-              </a:rPr>
-              <a:t>等加速度</a:t>
-            </a:r>
-            <a:r>
-              <a:rPr lang="ja-JP" altLang="en-US" sz="2400" dirty="0">
-                <a:latin typeface="小塚ゴシック Std H" panose="020B0800000000000000" pitchFamily="34" charset="-128"/>
-                <a:ea typeface="小塚ゴシック Std H" panose="020B0800000000000000" pitchFamily="34" charset="-128"/>
-              </a:rPr>
-              <a:t>直線運動撃ち</a:t>
-            </a:r>
-            <a:endParaRPr lang="en-US" altLang="ja-JP" sz="2400" dirty="0">
-              <a:latin typeface="小塚ゴシック Std H" panose="020B0800000000000000" pitchFamily="34" charset="-128"/>
-              <a:ea typeface="小塚ゴシック Std H" panose="020B0800000000000000" pitchFamily="34" charset="-128"/>
-            </a:endParaRPr>
-          </a:p>
-          <a:p>
-            <a:r>
-              <a:rPr lang="ja-JP" altLang="en-US" dirty="0" smtClean="0">
-                <a:latin typeface="小塚ゴシック Std H" panose="020B0800000000000000" pitchFamily="34" charset="-128"/>
-                <a:ea typeface="小塚ゴシック Std H" panose="020B0800000000000000" pitchFamily="34" charset="-128"/>
-              </a:rPr>
-              <a:t>　　　敵機</a:t>
-            </a:r>
-            <a:r>
-              <a:rPr lang="ja-JP" altLang="en-US" dirty="0">
-                <a:latin typeface="小塚ゴシック Std H" panose="020B0800000000000000" pitchFamily="34" charset="-128"/>
-                <a:ea typeface="小塚ゴシック Std H" panose="020B0800000000000000" pitchFamily="34" charset="-128"/>
-              </a:rPr>
-              <a:t>が</a:t>
-            </a:r>
-            <a:r>
-              <a:rPr lang="ja-JP" altLang="en-US" dirty="0">
-                <a:solidFill>
-                  <a:srgbClr val="FF0000"/>
-                </a:solidFill>
-                <a:latin typeface="小塚ゴシック Std H" panose="020B0800000000000000" pitchFamily="34" charset="-128"/>
-                <a:ea typeface="小塚ゴシック Std H" panose="020B0800000000000000" pitchFamily="34" charset="-128"/>
-              </a:rPr>
-              <a:t>等加速度直線運動している場合の予測先</a:t>
-            </a:r>
-            <a:r>
-              <a:rPr lang="ja-JP" altLang="en-US" dirty="0">
-                <a:latin typeface="小塚ゴシック Std H" panose="020B0800000000000000" pitchFamily="34" charset="-128"/>
-                <a:ea typeface="小塚ゴシック Std H" panose="020B0800000000000000" pitchFamily="34" charset="-128"/>
-              </a:rPr>
-              <a:t>に撃つ。</a:t>
-            </a:r>
-          </a:p>
-        </p:txBody>
-      </p:sp>
+      </p:pic>
     </p:spTree>
     <p:extLst>
       <p:ext uri="{BB962C8B-B14F-4D97-AF65-F5344CB8AC3E}">
@@ -5579,18 +5424,11 @@
           <a:p>
             <a:pPr algn="l"/>
             <a:r>
-              <a:rPr lang="ja-JP" altLang="en-US" sz="5400" dirty="0">
-                <a:latin typeface="小塚ゴシック Std H" panose="020B0800000000000000" pitchFamily="34" charset="-128"/>
-                <a:ea typeface="小塚ゴシック Std H" panose="020B0800000000000000" pitchFamily="34" charset="-128"/>
-              </a:rPr>
-              <a:t>回避</a:t>
-            </a:r>
-            <a:r>
               <a:rPr lang="ja-JP" altLang="en-US" sz="5400" dirty="0" smtClean="0">
                 <a:latin typeface="小塚ゴシック Std H" panose="020B0800000000000000" pitchFamily="34" charset="-128"/>
                 <a:ea typeface="小塚ゴシック Std H" panose="020B0800000000000000" pitchFamily="34" charset="-128"/>
               </a:rPr>
-              <a:t>の方法</a:t>
+              <a:t>長所と短所</a:t>
             </a:r>
             <a:endParaRPr kumimoji="1" lang="ja-JP" altLang="en-US" sz="5400" dirty="0">
               <a:latin typeface="小塚ゴシック Std H" panose="020B0800000000000000" pitchFamily="34" charset="-128"/>
@@ -5621,11 +5459,74 @@
           <a:p>
             <a:pPr algn="l"/>
             <a:r>
-              <a:rPr lang="ja-JP" altLang="en-US" dirty="0" smtClean="0">
-                <a:latin typeface="小塚ゴシック Std H" panose="020B0800000000000000" pitchFamily="34" charset="-128"/>
-                <a:ea typeface="小塚ゴシック Std H" panose="020B0800000000000000" pitchFamily="34" charset="-128"/>
-              </a:rPr>
-              <a:t>敵の弾丸の弾道上に定点を設定。自機が定点から一定範囲内にいたら抜け出すように動く。</a:t>
+              <a:rPr lang="ja-JP" altLang="en-US" sz="2800" dirty="0" smtClean="0">
+                <a:latin typeface="小塚ゴシック Std H" panose="020B0800000000000000" pitchFamily="34" charset="-128"/>
+                <a:ea typeface="小塚ゴシック Std H" panose="020B0800000000000000" pitchFamily="34" charset="-128"/>
+              </a:rPr>
+              <a:t>長所</a:t>
+            </a:r>
+            <a:endParaRPr lang="en-US" altLang="ja-JP" sz="2800" dirty="0" smtClean="0">
+              <a:latin typeface="小塚ゴシック Std H" panose="020B0800000000000000" pitchFamily="34" charset="-128"/>
+              <a:ea typeface="小塚ゴシック Std H" panose="020B0800000000000000" pitchFamily="34" charset="-128"/>
+            </a:endParaRPr>
+          </a:p>
+          <a:p>
+            <a:pPr lvl="1" algn="l"/>
+            <a:r>
+              <a:rPr lang="ja-JP" altLang="en-US" dirty="0">
+                <a:latin typeface="小塚ゴシック Std H" panose="020B0800000000000000" pitchFamily="34" charset="-128"/>
+                <a:ea typeface="小塚ゴシック Std H" panose="020B0800000000000000" pitchFamily="34" charset="-128"/>
+              </a:rPr>
+              <a:t>すべてのロボットで</a:t>
+            </a:r>
+            <a:r>
+              <a:rPr lang="en-US" altLang="ja-JP" dirty="0">
+                <a:latin typeface="小塚ゴシック Std H" panose="020B0800000000000000" pitchFamily="34" charset="-128"/>
+                <a:ea typeface="小塚ゴシック Std H" panose="020B0800000000000000" pitchFamily="34" charset="-128"/>
+              </a:rPr>
+              <a:t>1</a:t>
+            </a:r>
+            <a:r>
+              <a:rPr lang="ja-JP" altLang="en-US" dirty="0">
+                <a:latin typeface="小塚ゴシック Std H" panose="020B0800000000000000" pitchFamily="34" charset="-128"/>
+                <a:ea typeface="小塚ゴシック Std H" panose="020B0800000000000000" pitchFamily="34" charset="-128"/>
+              </a:rPr>
+              <a:t>台の敵を狙うので、すばやく敵の数を減らすことができる。</a:t>
+            </a:r>
+            <a:endParaRPr lang="en-US" altLang="ja-JP" dirty="0" smtClean="0">
+              <a:latin typeface="小塚ゴシック Std H" panose="020B0800000000000000" pitchFamily="34" charset="-128"/>
+              <a:ea typeface="小塚ゴシック Std H" panose="020B0800000000000000" pitchFamily="34" charset="-128"/>
+            </a:endParaRPr>
+          </a:p>
+          <a:p>
+            <a:pPr algn="l"/>
+            <a:endParaRPr lang="en-US" altLang="ja-JP" dirty="0">
+              <a:latin typeface="小塚ゴシック Std H" panose="020B0800000000000000" pitchFamily="34" charset="-128"/>
+              <a:ea typeface="小塚ゴシック Std H" panose="020B0800000000000000" pitchFamily="34" charset="-128"/>
+            </a:endParaRPr>
+          </a:p>
+          <a:p>
+            <a:pPr algn="l"/>
+            <a:r>
+              <a:rPr lang="ja-JP" altLang="en-US" sz="2800" dirty="0" smtClean="0">
+                <a:latin typeface="小塚ゴシック Std H" panose="020B0800000000000000" pitchFamily="34" charset="-128"/>
+                <a:ea typeface="小塚ゴシック Std H" panose="020B0800000000000000" pitchFamily="34" charset="-128"/>
+              </a:rPr>
+              <a:t>短所</a:t>
+            </a:r>
+            <a:endParaRPr lang="en-US" altLang="ja-JP" sz="2800" dirty="0" smtClean="0">
+              <a:latin typeface="小塚ゴシック Std H" panose="020B0800000000000000" pitchFamily="34" charset="-128"/>
+              <a:ea typeface="小塚ゴシック Std H" panose="020B0800000000000000" pitchFamily="34" charset="-128"/>
+            </a:endParaRPr>
+          </a:p>
+          <a:p>
+            <a:pPr lvl="1" algn="l"/>
+            <a:r>
+              <a:rPr lang="ja-JP" altLang="en-US" dirty="0">
+                <a:latin typeface="小塚ゴシック Std H" panose="020B0800000000000000" pitchFamily="34" charset="-128"/>
+                <a:ea typeface="小塚ゴシック Std H" panose="020B0800000000000000" pitchFamily="34" charset="-128"/>
+              </a:rPr>
+              <a:t>基本的に敵にレーダーをロックオンさせているので、ロックオンしている敵以外に対して無防備である。</a:t>
             </a:r>
             <a:endParaRPr lang="ja-JP" altLang="en-US" dirty="0">
               <a:latin typeface="小塚ゴシック Std H" panose="020B0800000000000000" pitchFamily="34" charset="-128"/>
@@ -5634,40 +5535,10 @@
           </a:p>
         </p:txBody>
       </p:sp>
-      <p:pic>
-        <p:nvPicPr>
-          <p:cNvPr id="7" name="図 6"/>
-          <p:cNvPicPr>
-            <a:picLocks noChangeAspect="1"/>
-          </p:cNvPicPr>
-          <p:nvPr/>
-        </p:nvPicPr>
-        <p:blipFill>
-          <a:blip r:embed="rId3">
-            <a:extLst>
-              <a:ext uri="{28A0092B-C50C-407E-A947-70E740481C1C}">
-                <a14:useLocalDpi xmlns:a14="http://schemas.microsoft.com/office/drawing/2010/main" val="0"/>
-              </a:ext>
-            </a:extLst>
-          </a:blip>
-          <a:stretch>
-            <a:fillRect/>
-          </a:stretch>
-        </p:blipFill>
-        <p:spPr>
-          <a:xfrm>
-            <a:off x="1045532" y="2839663"/>
-            <a:ext cx="6162988" cy="3543719"/>
-          </a:xfrm>
-          <a:prstGeom prst="rect">
-            <a:avLst/>
-          </a:prstGeom>
-        </p:spPr>
-      </p:pic>
     </p:spTree>
     <p:extLst>
       <p:ext uri="{BB962C8B-B14F-4D97-AF65-F5344CB8AC3E}">
-        <p14:creationId xmlns:p14="http://schemas.microsoft.com/office/powerpoint/2010/main" val="76317041"/>
+        <p14:creationId xmlns:p14="http://schemas.microsoft.com/office/powerpoint/2010/main" val="1593007900"/>
       </p:ext>
     </p:extLst>
   </p:cSld>
@@ -5732,11 +5603,11 @@
           <a:p>
             <a:pPr algn="l"/>
             <a:r>
-              <a:rPr lang="ja-JP" altLang="en-US" sz="5400" dirty="0" smtClean="0">
-                <a:latin typeface="小塚ゴシック Std H" panose="020B0800000000000000" pitchFamily="34" charset="-128"/>
-                <a:ea typeface="小塚ゴシック Std H" panose="020B0800000000000000" pitchFamily="34" charset="-128"/>
-              </a:rPr>
-              <a:t>長所と短所</a:t>
+              <a:rPr lang="ja-JP" altLang="en-US" sz="5400" smtClean="0">
+                <a:latin typeface="小塚ゴシック Std H" panose="020B0800000000000000" pitchFamily="34" charset="-128"/>
+                <a:ea typeface="小塚ゴシック Std H" panose="020B0800000000000000" pitchFamily="34" charset="-128"/>
+              </a:rPr>
+              <a:t>開発の困難さ</a:t>
             </a:r>
             <a:endParaRPr kumimoji="1" lang="ja-JP" altLang="en-US" sz="5400" dirty="0">
               <a:latin typeface="小塚ゴシック Std H" panose="020B0800000000000000" pitchFamily="34" charset="-128"/>
@@ -5757,8 +5628,8 @@
         </p:nvSpPr>
         <p:spPr>
           <a:xfrm>
-            <a:off x="350520" y="2165123"/>
-            <a:ext cx="6858000" cy="4218259"/>
+            <a:off x="350519" y="2165123"/>
+            <a:ext cx="8436429" cy="4218259"/>
           </a:xfrm>
         </p:spPr>
         <p:txBody>
@@ -5767,72 +5638,195 @@
           <a:p>
             <a:pPr algn="l"/>
             <a:r>
-              <a:rPr lang="ja-JP" altLang="en-US" sz="2800" dirty="0" smtClean="0">
-                <a:latin typeface="小塚ゴシック Std H" panose="020B0800000000000000" pitchFamily="34" charset="-128"/>
-                <a:ea typeface="小塚ゴシック Std H" panose="020B0800000000000000" pitchFamily="34" charset="-128"/>
-              </a:rPr>
-              <a:t>長所</a:t>
-            </a:r>
-            <a:endParaRPr lang="en-US" altLang="ja-JP" sz="2800" dirty="0" smtClean="0">
+              <a:rPr lang="ja-JP" altLang="en-US" dirty="0">
+                <a:latin typeface="小塚ゴシック Std H" panose="020B0800000000000000" pitchFamily="34" charset="-128"/>
+                <a:ea typeface="小塚ゴシック Std H" panose="020B0800000000000000" pitchFamily="34" charset="-128"/>
+              </a:rPr>
+              <a:t>当初開発する予定</a:t>
+            </a:r>
+            <a:r>
+              <a:rPr lang="ja-JP" altLang="en-US" dirty="0" smtClean="0">
+                <a:latin typeface="小塚ゴシック Std H" panose="020B0800000000000000" pitchFamily="34" charset="-128"/>
+                <a:ea typeface="小塚ゴシック Std H" panose="020B0800000000000000" pitchFamily="34" charset="-128"/>
+              </a:rPr>
+              <a:t>の機能が</a:t>
+            </a:r>
+            <a:r>
+              <a:rPr lang="ja-JP" altLang="en-US" dirty="0">
+                <a:latin typeface="小塚ゴシック Std H" panose="020B0800000000000000" pitchFamily="34" charset="-128"/>
+                <a:ea typeface="小塚ゴシック Std H" panose="020B0800000000000000" pitchFamily="34" charset="-128"/>
+              </a:rPr>
+              <a:t>難航して</a:t>
+            </a:r>
+            <a:r>
+              <a:rPr lang="ja-JP" altLang="en-US" dirty="0" smtClean="0">
+                <a:latin typeface="小塚ゴシック Std H" panose="020B0800000000000000" pitchFamily="34" charset="-128"/>
+                <a:ea typeface="小塚ゴシック Std H" panose="020B0800000000000000" pitchFamily="34" charset="-128"/>
+              </a:rPr>
+              <a:t>、計画通りに進めること</a:t>
+            </a:r>
+            <a:r>
+              <a:rPr lang="ja-JP" altLang="en-US" dirty="0">
+                <a:latin typeface="小塚ゴシック Std H" panose="020B0800000000000000" pitchFamily="34" charset="-128"/>
+                <a:ea typeface="小塚ゴシック Std H" panose="020B0800000000000000" pitchFamily="34" charset="-128"/>
+              </a:rPr>
+              <a:t>ができなかった</a:t>
+            </a:r>
+            <a:r>
+              <a:rPr lang="ja-JP" altLang="en-US" dirty="0" smtClean="0">
+                <a:latin typeface="小塚ゴシック Std H" panose="020B0800000000000000" pitchFamily="34" charset="-128"/>
+                <a:ea typeface="小塚ゴシック Std H" panose="020B0800000000000000" pitchFamily="34" charset="-128"/>
+              </a:rPr>
+              <a:t>。</a:t>
+            </a:r>
+            <a:endParaRPr lang="en-US" altLang="ja-JP" dirty="0" smtClean="0">
               <a:latin typeface="小塚ゴシック Std H" panose="020B0800000000000000" pitchFamily="34" charset="-128"/>
               <a:ea typeface="小塚ゴシック Std H" panose="020B0800000000000000" pitchFamily="34" charset="-128"/>
             </a:endParaRPr>
           </a:p>
           <a:p>
-            <a:pPr lvl="1" algn="l"/>
-            <a:r>
-              <a:rPr lang="ja-JP" altLang="en-US" sz="2400" dirty="0" smtClean="0">
-                <a:latin typeface="小塚ゴシック Std H" panose="020B0800000000000000" pitchFamily="34" charset="-128"/>
-                <a:ea typeface="小塚ゴシック Std H" panose="020B0800000000000000" pitchFamily="34" charset="-128"/>
-              </a:rPr>
-              <a:t>機体は一見不規則な動きをするため、敵機が狙い撃ちしにくい。</a:t>
-            </a:r>
-            <a:endParaRPr lang="en-US" altLang="ja-JP" sz="2400" dirty="0" smtClean="0">
+            <a:pPr algn="l"/>
+            <a:endParaRPr lang="en-US" altLang="ja-JP" dirty="0" smtClean="0">
               <a:latin typeface="小塚ゴシック Std H" panose="020B0800000000000000" pitchFamily="34" charset="-128"/>
               <a:ea typeface="小塚ゴシック Std H" panose="020B0800000000000000" pitchFamily="34" charset="-128"/>
             </a:endParaRPr>
           </a:p>
           <a:p>
             <a:pPr algn="l"/>
-            <a:endParaRPr lang="en-US" altLang="ja-JP" dirty="0">
+            <a:r>
+              <a:rPr lang="ja-JP" altLang="en-US" dirty="0">
+                <a:latin typeface="小塚ゴシック Std H" panose="020B0800000000000000" pitchFamily="34" charset="-128"/>
+                <a:ea typeface="小塚ゴシック Std H" panose="020B0800000000000000" pitchFamily="34" charset="-128"/>
+              </a:rPr>
+              <a:t>反省点</a:t>
+            </a:r>
+          </a:p>
+          <a:p>
+            <a:pPr marL="800100" lvl="1" indent="-342900" algn="l">
+              <a:lnSpc>
+                <a:spcPct val="100000"/>
+              </a:lnSpc>
+              <a:buFont typeface="Arial" panose="020B0604020202020204" pitchFamily="34" charset="0"/>
+              <a:buChar char="•"/>
+            </a:pPr>
+            <a:r>
+              <a:rPr lang="ja-JP" altLang="en-US" dirty="0">
+                <a:latin typeface="小塚ゴシック Std H" panose="020B0800000000000000" pitchFamily="34" charset="-128"/>
+                <a:ea typeface="小塚ゴシック Std H" panose="020B0800000000000000" pitchFamily="34" charset="-128"/>
+              </a:rPr>
+              <a:t>開発する時間</a:t>
+            </a:r>
+            <a:r>
+              <a:rPr lang="ja-JP" altLang="en-US" dirty="0" smtClean="0">
+                <a:latin typeface="小塚ゴシック Std H" panose="020B0800000000000000" pitchFamily="34" charset="-128"/>
+                <a:ea typeface="小塚ゴシック Std H" panose="020B0800000000000000" pitchFamily="34" charset="-128"/>
+              </a:rPr>
+              <a:t>を十分に確保できなかった。</a:t>
+            </a:r>
+            <a:r>
+              <a:rPr lang="en-US" altLang="ja-JP" sz="1600" dirty="0" smtClean="0">
+                <a:solidFill>
+                  <a:srgbClr val="FF0000"/>
+                </a:solidFill>
+                <a:latin typeface="小塚ゴシック Std H" panose="020B0800000000000000" pitchFamily="34" charset="-128"/>
+                <a:ea typeface="小塚ゴシック Std H" panose="020B0800000000000000" pitchFamily="34" charset="-128"/>
+              </a:rPr>
+              <a:t>(</a:t>
+            </a:r>
+            <a:r>
+              <a:rPr lang="ja-JP" altLang="en-US" sz="1600" dirty="0" smtClean="0">
+                <a:solidFill>
+                  <a:srgbClr val="FF0000"/>
+                </a:solidFill>
+                <a:latin typeface="小塚ゴシック Std H" panose="020B0800000000000000" pitchFamily="34" charset="-128"/>
+                <a:ea typeface="小塚ゴシック Std H" panose="020B0800000000000000" pitchFamily="34" charset="-128"/>
+              </a:rPr>
+              <a:t>スケジュールの管理不足</a:t>
+            </a:r>
+            <a:r>
+              <a:rPr lang="en-US" altLang="ja-JP" sz="1600" dirty="0" smtClean="0">
+                <a:solidFill>
+                  <a:srgbClr val="FF0000"/>
+                </a:solidFill>
+                <a:latin typeface="小塚ゴシック Std H" panose="020B0800000000000000" pitchFamily="34" charset="-128"/>
+                <a:ea typeface="小塚ゴシック Std H" panose="020B0800000000000000" pitchFamily="34" charset="-128"/>
+              </a:rPr>
+              <a:t>)</a:t>
+            </a:r>
+            <a:endParaRPr lang="en-US" altLang="ja-JP" dirty="0" smtClean="0">
+              <a:solidFill>
+                <a:srgbClr val="FF0000"/>
+              </a:solidFill>
               <a:latin typeface="小塚ゴシック Std H" panose="020B0800000000000000" pitchFamily="34" charset="-128"/>
               <a:ea typeface="小塚ゴシック Std H" panose="020B0800000000000000" pitchFamily="34" charset="-128"/>
             </a:endParaRPr>
           </a:p>
           <a:p>
-            <a:pPr algn="l"/>
-            <a:r>
-              <a:rPr lang="ja-JP" altLang="en-US" sz="2800" dirty="0" smtClean="0">
-                <a:latin typeface="小塚ゴシック Std H" panose="020B0800000000000000" pitchFamily="34" charset="-128"/>
-                <a:ea typeface="小塚ゴシック Std H" panose="020B0800000000000000" pitchFamily="34" charset="-128"/>
-              </a:rPr>
-              <a:t>短所</a:t>
-            </a:r>
-            <a:endParaRPr lang="en-US" altLang="ja-JP" sz="2800" dirty="0" smtClean="0">
-              <a:latin typeface="小塚ゴシック Std H" panose="020B0800000000000000" pitchFamily="34" charset="-128"/>
-              <a:ea typeface="小塚ゴシック Std H" panose="020B0800000000000000" pitchFamily="34" charset="-128"/>
-            </a:endParaRPr>
-          </a:p>
-          <a:p>
-            <a:pPr lvl="1" algn="l"/>
-            <a:r>
-              <a:rPr lang="ja-JP" altLang="en-US" sz="2400" dirty="0" smtClean="0">
-                <a:latin typeface="小塚ゴシック Std H" panose="020B0800000000000000" pitchFamily="34" charset="-128"/>
-                <a:ea typeface="小塚ゴシック Std H" panose="020B0800000000000000" pitchFamily="34" charset="-128"/>
-              </a:rPr>
-              <a:t>壁に近づくと、壁からの力とその他の力が釣り合い、ほとんど動かなくなってしまう場合がある。</a:t>
-            </a:r>
-            <a:endParaRPr lang="ja-JP" altLang="en-US" sz="2400" dirty="0">
-              <a:latin typeface="小塚ゴシック Std H" panose="020B0800000000000000" pitchFamily="34" charset="-128"/>
-              <a:ea typeface="小塚ゴシック Std H" panose="020B0800000000000000" pitchFamily="34" charset="-128"/>
-            </a:endParaRPr>
+            <a:pPr marL="800100" lvl="1" indent="-342900" algn="l">
+              <a:lnSpc>
+                <a:spcPct val="100000"/>
+              </a:lnSpc>
+              <a:buFont typeface="Arial" panose="020B0604020202020204" pitchFamily="34" charset="0"/>
+              <a:buChar char="•"/>
+            </a:pPr>
+            <a:r>
+              <a:rPr lang="ja-JP" altLang="en-US" dirty="0" smtClean="0">
+                <a:latin typeface="小塚ゴシック Std H" panose="020B0800000000000000" pitchFamily="34" charset="-128"/>
+                <a:ea typeface="小塚ゴシック Std H" panose="020B0800000000000000" pitchFamily="34" charset="-128"/>
+              </a:rPr>
+              <a:t>役割</a:t>
+            </a:r>
+            <a:r>
+              <a:rPr lang="ja-JP" altLang="en-US" dirty="0">
+                <a:latin typeface="小塚ゴシック Std H" panose="020B0800000000000000" pitchFamily="34" charset="-128"/>
+                <a:ea typeface="小塚ゴシック Std H" panose="020B0800000000000000" pitchFamily="34" charset="-128"/>
+              </a:rPr>
+              <a:t>分担時に関数名や、関数の戻り値など、具体的な仕様をきちんと</a:t>
+            </a:r>
+            <a:r>
+              <a:rPr lang="ja-JP" altLang="en-US" dirty="0" smtClean="0">
+                <a:latin typeface="小塚ゴシック Std H" panose="020B0800000000000000" pitchFamily="34" charset="-128"/>
+                <a:ea typeface="小塚ゴシック Std H" panose="020B0800000000000000" pitchFamily="34" charset="-128"/>
+              </a:rPr>
+              <a:t>決めなかった。</a:t>
+            </a:r>
+            <a:r>
+              <a:rPr lang="en-US" altLang="ja-JP" sz="1600" dirty="0" smtClean="0">
+                <a:solidFill>
+                  <a:srgbClr val="FF0000"/>
+                </a:solidFill>
+                <a:latin typeface="小塚ゴシック Std H" panose="020B0800000000000000" pitchFamily="34" charset="-128"/>
+                <a:ea typeface="小塚ゴシック Std H" panose="020B0800000000000000" pitchFamily="34" charset="-128"/>
+              </a:rPr>
+              <a:t>(</a:t>
+            </a:r>
+            <a:r>
+              <a:rPr lang="ja-JP" altLang="en-US" sz="1600" dirty="0" smtClean="0">
+                <a:solidFill>
+                  <a:srgbClr val="FF0000"/>
+                </a:solidFill>
+                <a:latin typeface="小塚ゴシック Std H" panose="020B0800000000000000" pitchFamily="34" charset="-128"/>
+                <a:ea typeface="小塚ゴシック Std H" panose="020B0800000000000000" pitchFamily="34" charset="-128"/>
+              </a:rPr>
+              <a:t>打ち合わせ不足</a:t>
+            </a:r>
+            <a:r>
+              <a:rPr lang="en-US" altLang="ja-JP" sz="1600" dirty="0" smtClean="0">
+                <a:solidFill>
+                  <a:srgbClr val="FF0000"/>
+                </a:solidFill>
+                <a:latin typeface="小塚ゴシック Std H" panose="020B0800000000000000" pitchFamily="34" charset="-128"/>
+                <a:ea typeface="小塚ゴシック Std H" panose="020B0800000000000000" pitchFamily="34" charset="-128"/>
+              </a:rPr>
+              <a:t>)</a:t>
+            </a:r>
           </a:p>
         </p:txBody>
       </p:sp>
     </p:spTree>
     <p:extLst>
       <p:ext uri="{BB962C8B-B14F-4D97-AF65-F5344CB8AC3E}">
-        <p14:creationId xmlns:p14="http://schemas.microsoft.com/office/powerpoint/2010/main" val="1593007900"/>
+        <p14:creationId xmlns:p14="http://schemas.microsoft.com/office/powerpoint/2010/main" val="3589486777"/>
       </p:ext>
     </p:extLst>
   </p:cSld>
@@ -5897,11 +5891,11 @@
           <a:p>
             <a:pPr algn="l"/>
             <a:r>
-              <a:rPr lang="ja-JP" altLang="en-US" sz="5400" smtClean="0">
-                <a:latin typeface="小塚ゴシック Std H" panose="020B0800000000000000" pitchFamily="34" charset="-128"/>
-                <a:ea typeface="小塚ゴシック Std H" panose="020B0800000000000000" pitchFamily="34" charset="-128"/>
-              </a:rPr>
-              <a:t>開発の困難さ</a:t>
+              <a:rPr lang="ja-JP" altLang="en-US" sz="5400" dirty="0" smtClean="0">
+                <a:latin typeface="小塚ゴシック Std H" panose="020B0800000000000000" pitchFamily="34" charset="-128"/>
+                <a:ea typeface="小塚ゴシック Std H" panose="020B0800000000000000" pitchFamily="34" charset="-128"/>
+              </a:rPr>
+              <a:t>終了</a:t>
             </a:r>
             <a:endParaRPr kumimoji="1" lang="ja-JP" altLang="en-US" sz="5400" dirty="0">
               <a:latin typeface="小塚ゴシック Std H" panose="020B0800000000000000" pitchFamily="34" charset="-128"/>
@@ -5932,11 +5926,18 @@
           <a:p>
             <a:pPr algn="l"/>
             <a:r>
-              <a:rPr lang="ja-JP" altLang="en-US" dirty="0" smtClean="0">
-                <a:latin typeface="小塚ゴシック Std H" panose="020B0800000000000000" pitchFamily="34" charset="-128"/>
-                <a:ea typeface="小塚ゴシック Std H" panose="020B0800000000000000" pitchFamily="34" charset="-128"/>
-              </a:rPr>
-              <a:t>搭載している機能が多いため、単純にプログラムの開発にかかる手間が多い。</a:t>
+              <a:rPr lang="en-US" altLang="ja-JP" dirty="0" smtClean="0">
+                <a:latin typeface="小塚ゴシック Std H" panose="020B0800000000000000" pitchFamily="34" charset="-128"/>
+                <a:ea typeface="小塚ゴシック Std H" panose="020B0800000000000000" pitchFamily="34" charset="-128"/>
+              </a:rPr>
+              <a:t>6</a:t>
+            </a:r>
+            <a:r>
+              <a:rPr lang="ja-JP" altLang="en-US" dirty="0" smtClean="0">
+                <a:latin typeface="小塚ゴシック Std H" panose="020B0800000000000000" pitchFamily="34" charset="-128"/>
+                <a:ea typeface="小塚ゴシック Std H" panose="020B0800000000000000" pitchFamily="34" charset="-128"/>
+              </a:rPr>
+              <a:t>班の発表は以上です。</a:t>
             </a:r>
             <a:endParaRPr lang="en-US" altLang="ja-JP" dirty="0" smtClean="0">
               <a:latin typeface="小塚ゴシック Std H" panose="020B0800000000000000" pitchFamily="34" charset="-128"/>
@@ -5945,19 +5946,19 @@
           </a:p>
           <a:p>
             <a:pPr algn="l"/>
-            <a:endParaRPr lang="en-US" altLang="ja-JP" dirty="0">
-              <a:latin typeface="小塚ゴシック Std H" panose="020B0800000000000000" pitchFamily="34" charset="-128"/>
-              <a:ea typeface="小塚ゴシック Std H" panose="020B0800000000000000" pitchFamily="34" charset="-128"/>
-            </a:endParaRPr>
-          </a:p>
-          <a:p>
-            <a:pPr algn="l"/>
-            <a:r>
-              <a:rPr lang="ja-JP" altLang="en-US" dirty="0" smtClean="0">
-                <a:latin typeface="小塚ゴシック Std H" panose="020B0800000000000000" pitchFamily="34" charset="-128"/>
-                <a:ea typeface="小塚ゴシック Std H" panose="020B0800000000000000" pitchFamily="34" charset="-128"/>
-              </a:rPr>
-              <a:t>→搭載している機能によって製作者を分担してグループワークの強みを最大限に発揮した。</a:t>
+            <a:r>
+              <a:rPr lang="ja-JP" altLang="en-US" smtClean="0">
+                <a:latin typeface="小塚ゴシック Std H" panose="020B0800000000000000" pitchFamily="34" charset="-128"/>
+                <a:ea typeface="小塚ゴシック Std H" panose="020B0800000000000000" pitchFamily="34" charset="-128"/>
+              </a:rPr>
+              <a:t>ご清聴いただきありがとう</a:t>
+            </a:r>
+            <a:r>
+              <a:rPr lang="ja-JP" altLang="en-US" dirty="0" smtClean="0">
+                <a:latin typeface="小塚ゴシック Std H" panose="020B0800000000000000" pitchFamily="34" charset="-128"/>
+                <a:ea typeface="小塚ゴシック Std H" panose="020B0800000000000000" pitchFamily="34" charset="-128"/>
+              </a:rPr>
+              <a:t>ございました。</a:t>
             </a:r>
             <a:endParaRPr lang="ja-JP" altLang="en-US" dirty="0">
               <a:latin typeface="小塚ゴシック Std H" panose="020B0800000000000000" pitchFamily="34" charset="-128"/>
@@ -5969,7 +5970,7 @@
     </p:spTree>
     <p:extLst>
       <p:ext uri="{BB962C8B-B14F-4D97-AF65-F5344CB8AC3E}">
-        <p14:creationId xmlns:p14="http://schemas.microsoft.com/office/powerpoint/2010/main" val="3589486777"/>
+        <p14:creationId xmlns:p14="http://schemas.microsoft.com/office/powerpoint/2010/main" val="3917938418"/>
       </p:ext>
     </p:extLst>
   </p:cSld>
